--- a/Internship-Progress-Report.pptx
+++ b/Internship-Progress-Report.pptx
@@ -5,7 +5,7 @@
     <p:sldMasterId id="2147483648" r:id="rId1"/>
   </p:sldMasterIdLst>
   <p:notesMasterIdLst>
-    <p:notesMasterId r:id="rId10"/>
+    <p:notesMasterId r:id="rId12"/>
   </p:notesMasterIdLst>
   <p:sldIdLst>
     <p:sldId id="256" r:id="rId2"/>
@@ -15,14 +15,16 @@
     <p:sldId id="260" r:id="rId6"/>
     <p:sldId id="261" r:id="rId7"/>
     <p:sldId id="263" r:id="rId8"/>
-    <p:sldId id="262" r:id="rId9"/>
+    <p:sldId id="264" r:id="rId9"/>
+    <p:sldId id="265" r:id="rId10"/>
+    <p:sldId id="262" r:id="rId11"/>
   </p:sldIdLst>
   <p:sldSz cx="14630400" cy="8229600"/>
   <p:notesSz cx="8229600" cy="14630400"/>
   <p:embeddedFontLst>
     <p:embeddedFont>
-      <p:font typeface="Adani Regular" panose="02000503000000020004" pitchFamily="2" charset="0"/>
-      <p:regular r:id="rId11"/>
+      <p:font typeface="Adani Regular" panose="02000503000000020004" charset="0"/>
+      <p:regular r:id="rId13"/>
     </p:embeddedFont>
   </p:embeddedFontLst>
   <p:defaultTextStyle>
@@ -762,6 +764,114 @@
   <p:cSld>
     <p:spTree>
       <p:nvGrpSpPr>
+        <p:cNvPr id="1" name="">
+          <a:extLst>
+            <a:ext uri="{FF2B5EF4-FFF2-40B4-BE49-F238E27FC236}">
+              <a16:creationId xmlns:a16="http://schemas.microsoft.com/office/drawing/2014/main" id="{CC499314-8DD8-3D52-8E7E-0679AF2A6DBF}"/>
+            </a:ext>
+          </a:extLst>
+        </p:cNvPr>
+        <p:cNvGrpSpPr/>
+        <p:nvPr/>
+      </p:nvGrpSpPr>
+      <p:grpSpPr>
+        <a:xfrm>
+          <a:off x="0" y="0"/>
+          <a:ext cx="0" cy="0"/>
+          <a:chOff x="0" y="0"/>
+          <a:chExt cx="0" cy="0"/>
+        </a:xfrm>
+      </p:grpSpPr>
+      <p:sp>
+        <p:nvSpPr>
+          <p:cNvPr id="2" name="Slide Image Placeholder 1">
+            <a:extLst>
+              <a:ext uri="{FF2B5EF4-FFF2-40B4-BE49-F238E27FC236}">
+                <a16:creationId xmlns:a16="http://schemas.microsoft.com/office/drawing/2014/main" id="{58AB2833-F2D3-4345-7B9C-C2F4497F826C}"/>
+              </a:ext>
+            </a:extLst>
+          </p:cNvPr>
+          <p:cNvSpPr>
+            <a:spLocks noGrp="1" noRot="1" noChangeAspect="1"/>
+          </p:cNvSpPr>
+          <p:nvPr>
+            <p:ph type="sldImg"/>
+          </p:nvPr>
+        </p:nvSpPr>
+        <p:spPr/>
+      </p:sp>
+      <p:sp>
+        <p:nvSpPr>
+          <p:cNvPr id="3" name="Notes Placeholder 2">
+            <a:extLst>
+              <a:ext uri="{FF2B5EF4-FFF2-40B4-BE49-F238E27FC236}">
+                <a16:creationId xmlns:a16="http://schemas.microsoft.com/office/drawing/2014/main" id="{3D07DC58-32FC-5F29-A8CB-D5C41850AB7C}"/>
+              </a:ext>
+            </a:extLst>
+          </p:cNvPr>
+          <p:cNvSpPr>
+            <a:spLocks noGrp="1"/>
+          </p:cNvSpPr>
+          <p:nvPr>
+            <p:ph type="body" idx="1"/>
+          </p:nvPr>
+        </p:nvSpPr>
+        <p:spPr/>
+        <p:txBody>
+          <a:bodyPr/>
+          <a:lstStyle/>
+          <a:p>
+            <a:endParaRPr lang="en-US" dirty="0"/>
+          </a:p>
+        </p:txBody>
+      </p:sp>
+      <p:sp>
+        <p:nvSpPr>
+          <p:cNvPr id="4" name="Slide Number Placeholder 3">
+            <a:extLst>
+              <a:ext uri="{FF2B5EF4-FFF2-40B4-BE49-F238E27FC236}">
+                <a16:creationId xmlns:a16="http://schemas.microsoft.com/office/drawing/2014/main" id="{E49A5E16-7633-14EE-74A2-4A6F3041A241}"/>
+              </a:ext>
+            </a:extLst>
+          </p:cNvPr>
+          <p:cNvSpPr>
+            <a:spLocks noGrp="1"/>
+          </p:cNvSpPr>
+          <p:nvPr>
+            <p:ph type="sldNum" sz="quarter" idx="10"/>
+          </p:nvPr>
+        </p:nvSpPr>
+        <p:spPr/>
+        <p:txBody>
+          <a:bodyPr/>
+          <a:lstStyle/>
+          <a:p>
+            <a:fld id="{F7021451-1387-4CA6-816F-3879F97B5CBC}" type="slidenum">
+              <a:rPr lang="en-US"/>
+              <a:t>9</a:t>
+            </a:fld>
+            <a:endParaRPr lang="en-US"/>
+          </a:p>
+        </p:txBody>
+      </p:sp>
+    </p:spTree>
+    <p:extLst>
+      <p:ext uri="{BB962C8B-B14F-4D97-AF65-F5344CB8AC3E}">
+        <p14:creationId xmlns:p14="http://schemas.microsoft.com/office/powerpoint/2010/main" val="1559728223"/>
+      </p:ext>
+    </p:extLst>
+  </p:cSld>
+  <p:clrMapOvr>
+    <a:masterClrMapping/>
+  </p:clrMapOvr>
+</p:notes>
+</file>
+
+<file path=ppt/notesSlides/notesSlide8.xml><?xml version="1.0" encoding="utf-8"?>
+<p:notes xmlns:a="http://schemas.openxmlformats.org/drawingml/2006/main" xmlns:r="http://schemas.openxmlformats.org/officeDocument/2006/relationships" xmlns:p="http://schemas.openxmlformats.org/presentationml/2006/main">
+  <p:cSld>
+    <p:spTree>
+      <p:nvGrpSpPr>
         <p:cNvPr id="1" name=""/>
         <p:cNvGrpSpPr/>
         <p:nvPr/>
@@ -822,7 +932,7 @@
           <a:p>
             <a:fld id="{F7021451-1387-4CA6-816F-3879F97B5CBC}" type="slidenum">
               <a:rPr lang="en-US"/>
-              <a:t>8</a:t>
+              <a:t>10</a:t>
             </a:fld>
             <a:endParaRPr lang="en-US"/>
           </a:p>
@@ -1713,7 +1823,7 @@
           <a:p>
             <a:fld id="{2A1B2974-7422-4906-8C2D-CA7E2A1F2FAD}" type="datetimeFigureOut">
               <a:rPr lang="en-US" smtClean="0"/>
-              <a:t>6/22/2025</a:t>
+              <a:t>30-Jun-25</a:t>
             </a:fld>
             <a:endParaRPr lang="en-US"/>
           </a:p>
@@ -2197,7 +2307,7 @@
                 </a:solidFill>
                 <a:latin typeface="Adani Bold" panose="02000503000000020004" pitchFamily="2" charset="0"/>
               </a:rPr>
-              <a:t>Mentor : Preeti Jain</a:t>
+              <a:t>Reporting Manager : Mrs. Preeti Jain (CPO)</a:t>
             </a:r>
             <a:endParaRPr lang="en-IN" sz="2800" dirty="0"/>
           </a:p>
@@ -2252,6 +2362,231 @@
           </a:p>
         </p:txBody>
       </p:sp>
+      <p:pic>
+        <p:nvPicPr>
+          <p:cNvPr id="9" name="Picture 8" descr="A logo with purple letters">
+            <a:extLst>
+              <a:ext uri="{FF2B5EF4-FFF2-40B4-BE49-F238E27FC236}">
+                <a16:creationId xmlns:a16="http://schemas.microsoft.com/office/drawing/2014/main" id="{EF1378D9-94B2-76BC-0ECD-BF8D19C76932}"/>
+              </a:ext>
+            </a:extLst>
+          </p:cNvPr>
+          <p:cNvPicPr>
+            <a:picLocks noChangeAspect="1"/>
+          </p:cNvPicPr>
+          <p:nvPr/>
+        </p:nvPicPr>
+        <p:blipFill>
+          <a:blip r:embed="rId3"/>
+          <a:stretch>
+            <a:fillRect/>
+          </a:stretch>
+        </p:blipFill>
+        <p:spPr>
+          <a:xfrm>
+            <a:off x="11290328" y="0"/>
+            <a:ext cx="3340072" cy="1114749"/>
+          </a:xfrm>
+          <a:prstGeom prst="rect">
+            <a:avLst/>
+          </a:prstGeom>
+        </p:spPr>
+      </p:pic>
+    </p:spTree>
+  </p:cSld>
+  <p:clrMapOvr>
+    <a:masterClrMapping/>
+  </p:clrMapOvr>
+  <p:transition spd="slow">
+    <p:cover/>
+  </p:transition>
+</p:sld>
+</file>
+
+<file path=ppt/slides/slide10.xml><?xml version="1.0" encoding="utf-8"?>
+<p:sld xmlns:a="http://schemas.openxmlformats.org/drawingml/2006/main" xmlns:r="http://schemas.openxmlformats.org/officeDocument/2006/relationships" xmlns:p="http://schemas.openxmlformats.org/presentationml/2006/main">
+  <p:cSld name="Slide 7">
+    <p:spTree>
+      <p:nvGrpSpPr>
+        <p:cNvPr id="1" name=""/>
+        <p:cNvGrpSpPr/>
+        <p:nvPr/>
+      </p:nvGrpSpPr>
+      <p:grpSpPr>
+        <a:xfrm>
+          <a:off x="0" y="0"/>
+          <a:ext cx="0" cy="0"/>
+          <a:chOff x="0" y="0"/>
+          <a:chExt cx="0" cy="0"/>
+        </a:xfrm>
+      </p:grpSpPr>
+      <p:sp>
+        <p:nvSpPr>
+          <p:cNvPr id="2" name="Text 0"/>
+          <p:cNvSpPr/>
+          <p:nvPr/>
+        </p:nvSpPr>
+        <p:spPr>
+          <a:xfrm>
+            <a:off x="4479846" y="3408878"/>
+            <a:ext cx="5670590" cy="708779"/>
+          </a:xfrm>
+          <a:prstGeom prst="rect">
+            <a:avLst/>
+          </a:prstGeom>
+          <a:noFill/>
+          <a:ln/>
+        </p:spPr>
+        <p:txBody>
+          <a:bodyPr wrap="none" lIns="0" tIns="0" rIns="0" bIns="0" rtlCol="0" anchor="t"/>
+          <a:lstStyle/>
+          <a:p>
+            <a:pPr marL="0" indent="0" algn="ctr">
+              <a:lnSpc>
+                <a:spcPts val="5550"/>
+              </a:lnSpc>
+              <a:buNone/>
+            </a:pPr>
+            <a:r>
+              <a:rPr lang="en-US" sz="4450" dirty="0">
+                <a:solidFill>
+                  <a:srgbClr val="152D47"/>
+                </a:solidFill>
+                <a:latin typeface="Adani Regular" panose="02000503000000020004" pitchFamily="2" charset="0"/>
+                <a:ea typeface="Crimson Pro Semi Bold" pitchFamily="34" charset="-122"/>
+                <a:cs typeface="Crimson Pro Semi Bold" pitchFamily="34" charset="-120"/>
+              </a:rPr>
+              <a:t>Thank You</a:t>
+            </a:r>
+            <a:endParaRPr lang="en-US" sz="4450" dirty="0">
+              <a:latin typeface="Adani Regular" panose="02000503000000020004" pitchFamily="2" charset="0"/>
+            </a:endParaRPr>
+          </a:p>
+        </p:txBody>
+      </p:sp>
+      <p:sp>
+        <p:nvSpPr>
+          <p:cNvPr id="3" name="Text 1"/>
+          <p:cNvSpPr/>
+          <p:nvPr/>
+        </p:nvSpPr>
+        <p:spPr>
+          <a:xfrm>
+            <a:off x="793790" y="4457819"/>
+            <a:ext cx="13042821" cy="362903"/>
+          </a:xfrm>
+          <a:prstGeom prst="rect">
+            <a:avLst/>
+          </a:prstGeom>
+          <a:noFill/>
+          <a:ln/>
+        </p:spPr>
+        <p:txBody>
+          <a:bodyPr wrap="none" lIns="0" tIns="0" rIns="0" bIns="0" rtlCol="0" anchor="t"/>
+          <a:lstStyle/>
+          <a:p>
+            <a:pPr marL="0" indent="0" algn="ctr">
+              <a:lnSpc>
+                <a:spcPts val="2850"/>
+              </a:lnSpc>
+              <a:buNone/>
+            </a:pPr>
+            <a:r>
+              <a:rPr lang="en-US" sz="1750" dirty="0">
+                <a:solidFill>
+                  <a:srgbClr val="4C4C4D"/>
+                </a:solidFill>
+                <a:latin typeface="Adani Regular" panose="02000503000000020004" pitchFamily="2" charset="0"/>
+                <a:ea typeface="Heebo" pitchFamily="34" charset="-122"/>
+                <a:cs typeface="Heebo" pitchFamily="34" charset="-120"/>
+              </a:rPr>
+              <a:t>I am committed to continuous improvement in HR data analytics &amp; automation.</a:t>
+            </a:r>
+            <a:endParaRPr lang="en-US" sz="1750" dirty="0">
+              <a:latin typeface="Adani Regular" panose="02000503000000020004" pitchFamily="2" charset="0"/>
+            </a:endParaRPr>
+          </a:p>
+        </p:txBody>
+      </p:sp>
+      <p:sp>
+        <p:nvSpPr>
+          <p:cNvPr id="4" name="Rectangle 3">
+            <a:extLst>
+              <a:ext uri="{FF2B5EF4-FFF2-40B4-BE49-F238E27FC236}">
+                <a16:creationId xmlns:a16="http://schemas.microsoft.com/office/drawing/2014/main" id="{51E770D8-687D-1E66-7581-DF13A489BF5A}"/>
+              </a:ext>
+            </a:extLst>
+          </p:cNvPr>
+          <p:cNvSpPr/>
+          <p:nvPr/>
+        </p:nvSpPr>
+        <p:spPr>
+          <a:xfrm>
+            <a:off x="12690088" y="7705493"/>
+            <a:ext cx="1940312" cy="524107"/>
+          </a:xfrm>
+          <a:prstGeom prst="rect">
+            <a:avLst/>
+          </a:prstGeom>
+          <a:ln>
+            <a:solidFill>
+              <a:schemeClr val="bg1"/>
+            </a:solidFill>
+          </a:ln>
+        </p:spPr>
+        <p:style>
+          <a:lnRef idx="2">
+            <a:schemeClr val="dk1"/>
+          </a:lnRef>
+          <a:fillRef idx="1">
+            <a:schemeClr val="lt1"/>
+          </a:fillRef>
+          <a:effectRef idx="0">
+            <a:schemeClr val="dk1"/>
+          </a:effectRef>
+          <a:fontRef idx="minor">
+            <a:schemeClr val="dk1"/>
+          </a:fontRef>
+        </p:style>
+        <p:txBody>
+          <a:bodyPr rtlCol="0" anchor="ctr"/>
+          <a:lstStyle/>
+          <a:p>
+            <a:pPr algn="ctr"/>
+            <a:endParaRPr lang="en-IN"/>
+          </a:p>
+        </p:txBody>
+      </p:sp>
+      <p:pic>
+        <p:nvPicPr>
+          <p:cNvPr id="5" name="Picture 4" descr="A logo with purple letters">
+            <a:extLst>
+              <a:ext uri="{FF2B5EF4-FFF2-40B4-BE49-F238E27FC236}">
+                <a16:creationId xmlns:a16="http://schemas.microsoft.com/office/drawing/2014/main" id="{40304A7B-78AA-FDE7-E495-CD39AF5E10EF}"/>
+              </a:ext>
+            </a:extLst>
+          </p:cNvPr>
+          <p:cNvPicPr>
+            <a:picLocks noChangeAspect="1"/>
+          </p:cNvPicPr>
+          <p:nvPr/>
+        </p:nvPicPr>
+        <p:blipFill>
+          <a:blip r:embed="rId3"/>
+          <a:stretch>
+            <a:fillRect/>
+          </a:stretch>
+        </p:blipFill>
+        <p:spPr>
+          <a:xfrm>
+            <a:off x="11290328" y="0"/>
+            <a:ext cx="3340072" cy="1114749"/>
+          </a:xfrm>
+          <a:prstGeom prst="rect">
+            <a:avLst/>
+          </a:prstGeom>
+        </p:spPr>
+      </p:pic>
     </p:spTree>
   </p:cSld>
   <p:clrMapOvr>
@@ -2288,7 +2623,7 @@
         </p:nvSpPr>
         <p:spPr>
           <a:xfrm>
-            <a:off x="793790" y="823555"/>
+            <a:off x="793790" y="993815"/>
             <a:ext cx="7647623" cy="708779"/>
           </a:xfrm>
           <a:prstGeom prst="rect">
@@ -2354,7 +2689,7 @@
                 <a:ea typeface="Heebo" pitchFamily="34" charset="-122"/>
                 <a:cs typeface="Heebo" pitchFamily="34" charset="-120"/>
               </a:rPr>
-              <a:t>Project assigned by Viraj Mandaliya</a:t>
+              <a:t>Project assigned by Viraj Mandalia</a:t>
             </a:r>
             <a:endParaRPr lang="en-US" sz="1750" dirty="0">
               <a:latin typeface="Adani Regular" panose="02000503000000020004" pitchFamily="2" charset="0"/>
@@ -2398,7 +2733,7 @@
                 <a:ea typeface="Heebo" pitchFamily="34" charset="-122"/>
                 <a:cs typeface="Heebo" pitchFamily="34" charset="-120"/>
               </a:rPr>
-              <a:t>these dashboards provide critical HR insights.</a:t>
+              <a:t>Below dashboards provide critical HR insights.</a:t>
             </a:r>
             <a:endParaRPr lang="en-US" sz="1750" b="1" dirty="0">
               <a:latin typeface="Adani Regular" panose="02000503000000020004" pitchFamily="2" charset="0"/>
@@ -2435,7 +2770,7 @@
               <a:buChar char="•"/>
             </a:pPr>
             <a:r>
-              <a:rPr lang="en-US" sz="1750" b="1" dirty="0">
+              <a:rPr lang="en-US" sz="1750" dirty="0">
                 <a:solidFill>
                   <a:srgbClr val="4C4C4D"/>
                 </a:solidFill>
@@ -2445,7 +2780,7 @@
               </a:rPr>
               <a:t>Headcount Dashboard</a:t>
             </a:r>
-            <a:endParaRPr lang="en-US" sz="1750" b="1" dirty="0">
+            <a:endParaRPr lang="en-US" sz="1750" dirty="0">
               <a:latin typeface="Adani Regular" panose="02000503000000020004" pitchFamily="2" charset="0"/>
             </a:endParaRPr>
           </a:p>
@@ -2480,7 +2815,7 @@
               <a:buChar char="•"/>
             </a:pPr>
             <a:r>
-              <a:rPr lang="en-US" sz="1750" b="1" dirty="0">
+              <a:rPr lang="en-US" sz="1750" dirty="0">
                 <a:solidFill>
                   <a:srgbClr val="4C4C4D"/>
                 </a:solidFill>
@@ -2490,7 +2825,7 @@
               </a:rPr>
               <a:t>Budget Vs Actual HC Dashboard</a:t>
             </a:r>
-            <a:endParaRPr lang="en-US" sz="1750" b="1" dirty="0">
+            <a:endParaRPr lang="en-US" sz="1750" dirty="0">
               <a:latin typeface="Adani Regular" panose="02000503000000020004" pitchFamily="2" charset="0"/>
             </a:endParaRPr>
           </a:p>
@@ -2525,7 +2860,7 @@
               <a:buChar char="•"/>
             </a:pPr>
             <a:r>
-              <a:rPr lang="en-US" sz="1750" b="1" dirty="0">
+              <a:rPr lang="en-US" sz="1750" dirty="0">
                 <a:solidFill>
                   <a:srgbClr val="4C4C4D"/>
                 </a:solidFill>
@@ -2535,7 +2870,7 @@
               </a:rPr>
               <a:t>Budget Position</a:t>
             </a:r>
-            <a:endParaRPr lang="en-US" sz="1750" b="1" dirty="0">
+            <a:endParaRPr lang="en-US" sz="1750" dirty="0">
               <a:latin typeface="Adani Regular" panose="02000503000000020004" pitchFamily="2" charset="0"/>
             </a:endParaRPr>
           </a:p>
@@ -2570,7 +2905,7 @@
               <a:buChar char="•"/>
             </a:pPr>
             <a:r>
-              <a:rPr lang="en-US" sz="1750" b="1" dirty="0">
+              <a:rPr lang="en-US" sz="1750" dirty="0">
                 <a:solidFill>
                   <a:srgbClr val="4C4C4D"/>
                 </a:solidFill>
@@ -2580,7 +2915,7 @@
               </a:rPr>
               <a:t>PMS Dashboard</a:t>
             </a:r>
-            <a:endParaRPr lang="en-US" sz="1750" b="1" dirty="0">
+            <a:endParaRPr lang="en-US" sz="1750" dirty="0">
               <a:latin typeface="Adani Regular" panose="02000503000000020004" pitchFamily="2" charset="0"/>
             </a:endParaRPr>
           </a:p>
@@ -2615,7 +2950,7 @@
               <a:buChar char="•"/>
             </a:pPr>
             <a:r>
-              <a:rPr lang="en-US" sz="1750" b="1" dirty="0">
+              <a:rPr lang="en-US" sz="1750" dirty="0">
                 <a:solidFill>
                   <a:srgbClr val="4C4C4D"/>
                 </a:solidFill>
@@ -2625,7 +2960,7 @@
               </a:rPr>
               <a:t>Saksham Dashboard</a:t>
             </a:r>
-            <a:endParaRPr lang="en-US" sz="1750" b="1" dirty="0">
+            <a:endParaRPr lang="en-US" sz="1750" dirty="0">
               <a:latin typeface="Adani Regular" panose="02000503000000020004" pitchFamily="2" charset="0"/>
             </a:endParaRPr>
           </a:p>
@@ -2660,7 +2995,7 @@
               <a:buChar char="•"/>
             </a:pPr>
             <a:r>
-              <a:rPr lang="en-US" sz="1750" b="1" dirty="0">
+              <a:rPr lang="en-US" sz="1750" dirty="0">
                 <a:solidFill>
                   <a:srgbClr val="4C4C4D"/>
                 </a:solidFill>
@@ -2670,7 +3005,7 @@
               </a:rPr>
               <a:t>Saksham Pending Dashboard</a:t>
             </a:r>
-            <a:endParaRPr lang="en-US" sz="1750" b="1" dirty="0">
+            <a:endParaRPr lang="en-US" sz="1750" dirty="0">
               <a:latin typeface="Adani Regular" panose="02000503000000020004" pitchFamily="2" charset="0"/>
             </a:endParaRPr>
           </a:p>
@@ -2705,7 +3040,7 @@
               <a:buChar char="•"/>
             </a:pPr>
             <a:r>
-              <a:rPr lang="en-US" sz="1750" b="1" dirty="0">
+              <a:rPr lang="en-US" sz="1750" dirty="0">
                 <a:solidFill>
                   <a:srgbClr val="4C4C4D"/>
                 </a:solidFill>
@@ -2715,7 +3050,7 @@
               </a:rPr>
               <a:t>Hiring Dashboard</a:t>
             </a:r>
-            <a:endParaRPr lang="en-US" sz="1750" b="1" dirty="0">
+            <a:endParaRPr lang="en-US" sz="1750" dirty="0">
               <a:latin typeface="Adani Regular" panose="02000503000000020004" pitchFamily="2" charset="0"/>
             </a:endParaRPr>
           </a:p>
@@ -2750,7 +3085,7 @@
               <a:buChar char="•"/>
             </a:pPr>
             <a:r>
-              <a:rPr lang="en-US" sz="1750" b="1" dirty="0">
+              <a:rPr lang="en-US" sz="1750" dirty="0">
                 <a:solidFill>
                   <a:srgbClr val="4C4C4D"/>
                 </a:solidFill>
@@ -2760,7 +3095,7 @@
               </a:rPr>
               <a:t>YTD/Monthly Joining</a:t>
             </a:r>
-            <a:endParaRPr lang="en-US" sz="1750" b="1" dirty="0">
+            <a:endParaRPr lang="en-US" sz="1750" dirty="0">
               <a:latin typeface="Adani Regular" panose="02000503000000020004" pitchFamily="2" charset="0"/>
             </a:endParaRPr>
           </a:p>
@@ -2795,7 +3130,7 @@
               <a:buChar char="•"/>
             </a:pPr>
             <a:r>
-              <a:rPr lang="en-US" sz="1750" b="1" dirty="0">
+              <a:rPr lang="en-US" sz="1750" dirty="0">
                 <a:solidFill>
                   <a:srgbClr val="4C4C4D"/>
                 </a:solidFill>
@@ -2805,7 +3140,7 @@
               </a:rPr>
               <a:t>Upcoming Joining</a:t>
             </a:r>
-            <a:endParaRPr lang="en-US" sz="1750" b="1" dirty="0">
+            <a:endParaRPr lang="en-US" sz="1750" dirty="0">
               <a:latin typeface="Adani Regular" panose="02000503000000020004" pitchFamily="2" charset="0"/>
             </a:endParaRPr>
           </a:p>
@@ -2840,7 +3175,7 @@
               <a:buChar char="•"/>
             </a:pPr>
             <a:r>
-              <a:rPr lang="en-US" sz="1750" b="1" dirty="0">
+              <a:rPr lang="en-US" sz="1750" dirty="0">
                 <a:solidFill>
                   <a:srgbClr val="4C4C4D"/>
                 </a:solidFill>
@@ -2850,7 +3185,7 @@
               </a:rPr>
               <a:t>Goal Status Report</a:t>
             </a:r>
-            <a:endParaRPr lang="en-US" sz="1750" b="1" dirty="0">
+            <a:endParaRPr lang="en-US" sz="1750" dirty="0">
               <a:latin typeface="Adani Regular" panose="02000503000000020004" pitchFamily="2" charset="0"/>
             </a:endParaRPr>
           </a:p>
@@ -2885,7 +3220,7 @@
               <a:buChar char="•"/>
             </a:pPr>
             <a:r>
-              <a:rPr lang="en-US" sz="1750" b="1" dirty="0">
+              <a:rPr lang="en-US" sz="1750" dirty="0">
                 <a:solidFill>
                   <a:srgbClr val="4C4C4D"/>
                 </a:solidFill>
@@ -2895,7 +3230,7 @@
               </a:rPr>
               <a:t>eVidhyalaya Dashboard</a:t>
             </a:r>
-            <a:endParaRPr lang="en-US" sz="1750" b="1" dirty="0">
+            <a:endParaRPr lang="en-US" sz="1750" dirty="0">
               <a:latin typeface="Adani Regular" panose="02000503000000020004" pitchFamily="2" charset="0"/>
             </a:endParaRPr>
           </a:p>
@@ -2930,7 +3265,7 @@
               <a:buChar char="•"/>
             </a:pPr>
             <a:r>
-              <a:rPr lang="en-US" sz="1750" b="1" dirty="0">
+              <a:rPr lang="en-US" sz="1750" dirty="0">
                 <a:solidFill>
                   <a:srgbClr val="4C4C4D"/>
                 </a:solidFill>
@@ -2940,7 +3275,7 @@
               </a:rPr>
               <a:t>Classroom Training Dashboard</a:t>
             </a:r>
-            <a:endParaRPr lang="en-US" sz="1750" b="1" dirty="0">
+            <a:endParaRPr lang="en-US" sz="1750" dirty="0">
               <a:latin typeface="Adani Regular" panose="02000503000000020004" pitchFamily="2" charset="0"/>
             </a:endParaRPr>
           </a:p>
@@ -2975,7 +3310,7 @@
               <a:buChar char="•"/>
             </a:pPr>
             <a:r>
-              <a:rPr lang="en-US" sz="1750" b="1" dirty="0">
+              <a:rPr lang="en-US" sz="1750" dirty="0">
                 <a:solidFill>
                   <a:srgbClr val="4C4C4D"/>
                 </a:solidFill>
@@ -2985,7 +3320,7 @@
               </a:rPr>
               <a:t>Attrition Dashboard</a:t>
             </a:r>
-            <a:endParaRPr lang="en-US" sz="1750" b="1" dirty="0">
+            <a:endParaRPr lang="en-US" sz="1750" dirty="0">
               <a:latin typeface="Adani Regular" panose="02000503000000020004" pitchFamily="2" charset="0"/>
             </a:endParaRPr>
           </a:p>
@@ -3020,7 +3355,7 @@
               <a:buChar char="•"/>
             </a:pPr>
             <a:r>
-              <a:rPr lang="en-US" sz="1750" b="1" dirty="0">
+              <a:rPr lang="en-US" sz="1750" dirty="0">
                 <a:solidFill>
                   <a:srgbClr val="4C4C4D"/>
                 </a:solidFill>
@@ -3030,7 +3365,7 @@
               </a:rPr>
               <a:t>YTD Attrition</a:t>
             </a:r>
-            <a:endParaRPr lang="en-US" sz="1750" b="1" dirty="0">
+            <a:endParaRPr lang="en-US" sz="1750" dirty="0">
               <a:latin typeface="Adani Regular" panose="02000503000000020004" pitchFamily="2" charset="0"/>
             </a:endParaRPr>
           </a:p>
@@ -3065,7 +3400,7 @@
               <a:buChar char="•"/>
             </a:pPr>
             <a:r>
-              <a:rPr lang="en-US" sz="1750" b="1" dirty="0">
+              <a:rPr lang="en-US" sz="1750" dirty="0">
                 <a:solidFill>
                   <a:srgbClr val="4C4C4D"/>
                 </a:solidFill>
@@ -3075,7 +3410,7 @@
               </a:rPr>
               <a:t>Infant Attrition</a:t>
             </a:r>
-            <a:endParaRPr lang="en-US" sz="1750" b="1" dirty="0">
+            <a:endParaRPr lang="en-US" sz="1750" dirty="0">
               <a:latin typeface="Adani Regular" panose="02000503000000020004" pitchFamily="2" charset="0"/>
             </a:endParaRPr>
           </a:p>
@@ -3110,7 +3445,7 @@
               <a:buChar char="•"/>
             </a:pPr>
             <a:r>
-              <a:rPr lang="en-US" sz="1750" b="1" dirty="0">
+              <a:rPr lang="en-US" sz="1750" dirty="0">
                 <a:solidFill>
                   <a:srgbClr val="4C4C4D"/>
                 </a:solidFill>
@@ -3120,7 +3455,7 @@
               </a:rPr>
               <a:t>Serving Notice</a:t>
             </a:r>
-            <a:endParaRPr lang="en-US" sz="1750" b="1" dirty="0">
+            <a:endParaRPr lang="en-US" sz="1750" dirty="0">
               <a:latin typeface="Adani Regular" panose="02000503000000020004" pitchFamily="2" charset="0"/>
             </a:endParaRPr>
           </a:p>
@@ -3155,7 +3490,7 @@
               <a:buChar char="•"/>
             </a:pPr>
             <a:r>
-              <a:rPr lang="en-US" sz="1750" b="1" dirty="0">
+              <a:rPr lang="en-US" sz="1750" dirty="0">
                 <a:solidFill>
                   <a:srgbClr val="4C4C4D"/>
                 </a:solidFill>
@@ -3165,7 +3500,7 @@
               </a:rPr>
               <a:t>Upcoming Retirements</a:t>
             </a:r>
-            <a:endParaRPr lang="en-US" sz="1750" b="1" dirty="0">
+            <a:endParaRPr lang="en-US" sz="1750" dirty="0">
               <a:latin typeface="Adani Regular" panose="02000503000000020004" pitchFamily="2" charset="0"/>
             </a:endParaRPr>
           </a:p>
@@ -3200,7 +3535,7 @@
               <a:buChar char="•"/>
             </a:pPr>
             <a:r>
-              <a:rPr lang="en-US" sz="1750" b="1" dirty="0">
+              <a:rPr lang="en-US" sz="1750" dirty="0">
                 <a:solidFill>
                   <a:srgbClr val="4C4C4D"/>
                 </a:solidFill>
@@ -3210,7 +3545,7 @@
               </a:rPr>
               <a:t>Service Extension</a:t>
             </a:r>
-            <a:endParaRPr lang="en-US" sz="1750" b="1" dirty="0">
+            <a:endParaRPr lang="en-US" sz="1750" dirty="0">
               <a:latin typeface="Adani Regular" panose="02000503000000020004" pitchFamily="2" charset="0"/>
             </a:endParaRPr>
           </a:p>
@@ -3265,6 +3600,36 @@
           </a:p>
         </p:txBody>
       </p:sp>
+      <p:pic>
+        <p:nvPicPr>
+          <p:cNvPr id="24" name="Picture 23" descr="A logo with purple letters">
+            <a:extLst>
+              <a:ext uri="{FF2B5EF4-FFF2-40B4-BE49-F238E27FC236}">
+                <a16:creationId xmlns:a16="http://schemas.microsoft.com/office/drawing/2014/main" id="{EE1A0B99-48BA-03F6-F32B-E5C339C1B7F5}"/>
+              </a:ext>
+            </a:extLst>
+          </p:cNvPr>
+          <p:cNvPicPr>
+            <a:picLocks noChangeAspect="1"/>
+          </p:cNvPicPr>
+          <p:nvPr/>
+        </p:nvPicPr>
+        <p:blipFill>
+          <a:blip r:embed="rId3"/>
+          <a:stretch>
+            <a:fillRect/>
+          </a:stretch>
+        </p:blipFill>
+        <p:spPr>
+          <a:xfrm>
+            <a:off x="11290328" y="0"/>
+            <a:ext cx="3340072" cy="1114749"/>
+          </a:xfrm>
+          <a:prstGeom prst="rect">
+            <a:avLst/>
+          </a:prstGeom>
+        </p:spPr>
+      </p:pic>
     </p:spTree>
   </p:cSld>
   <p:clrMapOvr>
@@ -3460,7 +3825,7 @@
               <a:buNone/>
             </a:pPr>
             <a:r>
-              <a:rPr lang="en-US" sz="2200" dirty="0">
+              <a:rPr lang="en-US" sz="2200" b="1" dirty="0">
                 <a:solidFill>
                   <a:srgbClr val="4C4C4D"/>
                 </a:solidFill>
@@ -3470,7 +3835,7 @@
               </a:rPr>
               <a:t>Data from Outlook</a:t>
             </a:r>
-            <a:endParaRPr lang="en-US" sz="2200" dirty="0">
+            <a:endParaRPr lang="en-US" sz="2200" b="1" dirty="0">
               <a:latin typeface="Adani Regular" panose="02000503000000020004" pitchFamily="2" charset="0"/>
             </a:endParaRPr>
           </a:p>
@@ -3572,7 +3937,7 @@
               <a:buNone/>
             </a:pPr>
             <a:r>
-              <a:rPr lang="en-US" sz="2200" dirty="0">
+              <a:rPr lang="en-US" sz="2200" b="1" dirty="0">
                 <a:solidFill>
                   <a:srgbClr val="4C4C4D"/>
                 </a:solidFill>
@@ -3582,7 +3947,7 @@
               </a:rPr>
               <a:t>Power BI Integration</a:t>
             </a:r>
-            <a:endParaRPr lang="en-US" sz="2200" dirty="0">
+            <a:endParaRPr lang="en-US" sz="2200" b="1" dirty="0">
               <a:latin typeface="Adani Regular" panose="02000503000000020004" pitchFamily="2" charset="0"/>
             </a:endParaRPr>
           </a:p>
@@ -3684,7 +4049,7 @@
               <a:buNone/>
             </a:pPr>
             <a:r>
-              <a:rPr lang="en-US" sz="2200" dirty="0">
+              <a:rPr lang="en-US" sz="2200" b="1" dirty="0">
                 <a:solidFill>
                   <a:srgbClr val="4C4C4D"/>
                 </a:solidFill>
@@ -3694,7 +4059,7 @@
               </a:rPr>
               <a:t>Automatic Refresh</a:t>
             </a:r>
-            <a:endParaRPr lang="en-US" sz="2200" dirty="0">
+            <a:endParaRPr lang="en-US" sz="2200" b="1" dirty="0">
               <a:latin typeface="Adani Regular" panose="02000503000000020004" pitchFamily="2" charset="0"/>
             </a:endParaRPr>
           </a:p>
@@ -4008,7 +4373,7 @@
               <a:buNone/>
             </a:pPr>
             <a:r>
-              <a:rPr lang="en-US" sz="2200" dirty="0">
+              <a:rPr lang="en-US" sz="2200" b="1" dirty="0">
                 <a:solidFill>
                   <a:srgbClr val="4C4C4D"/>
                 </a:solidFill>
@@ -4018,7 +4383,7 @@
               </a:rPr>
               <a:t>Effortless Access</a:t>
             </a:r>
-            <a:endParaRPr lang="en-US" sz="2200" dirty="0">
+            <a:endParaRPr lang="en-US" sz="2200" b="1" dirty="0">
               <a:latin typeface="Adani Regular" panose="02000503000000020004" pitchFamily="2" charset="0"/>
             </a:endParaRPr>
           </a:p>
@@ -4120,7 +4485,7 @@
               <a:buNone/>
             </a:pPr>
             <a:r>
-              <a:rPr lang="en-US" sz="2200" dirty="0">
+              <a:rPr lang="en-US" sz="2200" b="1" dirty="0">
                 <a:solidFill>
                   <a:srgbClr val="4C4C4D"/>
                 </a:solidFill>
@@ -4130,7 +4495,7 @@
               </a:rPr>
               <a:t>User Role</a:t>
             </a:r>
-            <a:endParaRPr lang="en-US" sz="2200" dirty="0">
+            <a:endParaRPr lang="en-US" sz="2200" b="1" dirty="0">
               <a:latin typeface="Adani Regular" panose="02000503000000020004" pitchFamily="2" charset="0"/>
             </a:endParaRPr>
           </a:p>
@@ -4232,7 +4597,7 @@
               <a:buNone/>
             </a:pPr>
             <a:r>
-              <a:rPr lang="en-US" sz="2200" dirty="0">
+              <a:rPr lang="en-US" sz="2200" b="1" dirty="0">
                 <a:solidFill>
                   <a:srgbClr val="4C4C4D"/>
                 </a:solidFill>
@@ -4242,7 +4607,7 @@
               </a:rPr>
               <a:t>Instant Dashboards</a:t>
             </a:r>
-            <a:endParaRPr lang="en-US" sz="2200" dirty="0">
+            <a:endParaRPr lang="en-US" sz="2200" b="1" dirty="0">
               <a:latin typeface="Adani Regular" panose="02000503000000020004" pitchFamily="2" charset="0"/>
             </a:endParaRPr>
           </a:p>
@@ -4344,7 +4709,7 @@
               <a:buNone/>
             </a:pPr>
             <a:r>
-              <a:rPr lang="en-US" sz="2200" dirty="0">
+              <a:rPr lang="en-US" sz="2200" b="1" dirty="0">
                 <a:solidFill>
                   <a:srgbClr val="4C4C4D"/>
                 </a:solidFill>
@@ -4354,7 +4719,7 @@
               </a:rPr>
               <a:t>User Logs</a:t>
             </a:r>
-            <a:endParaRPr lang="en-US" sz="2200" dirty="0">
+            <a:endParaRPr lang="en-US" sz="2200" b="1" dirty="0">
               <a:latin typeface="Adani Regular" panose="02000503000000020004" pitchFamily="2" charset="0"/>
             </a:endParaRPr>
           </a:p>
@@ -4453,6 +4818,36 @@
           </a:p>
         </p:txBody>
       </p:sp>
+      <p:pic>
+        <p:nvPicPr>
+          <p:cNvPr id="17" name="Picture 16" descr="A logo with purple letters">
+            <a:extLst>
+              <a:ext uri="{FF2B5EF4-FFF2-40B4-BE49-F238E27FC236}">
+                <a16:creationId xmlns:a16="http://schemas.microsoft.com/office/drawing/2014/main" id="{D2BFC952-3BFF-F4DA-7F52-18BEF0DDE81C}"/>
+              </a:ext>
+            </a:extLst>
+          </p:cNvPr>
+          <p:cNvPicPr>
+            <a:picLocks noChangeAspect="1"/>
+          </p:cNvPicPr>
+          <p:nvPr/>
+        </p:nvPicPr>
+        <p:blipFill>
+          <a:blip r:embed="rId7"/>
+          <a:stretch>
+            <a:fillRect/>
+          </a:stretch>
+        </p:blipFill>
+        <p:spPr>
+          <a:xfrm>
+            <a:off x="11290328" y="0"/>
+            <a:ext cx="3340072" cy="1114749"/>
+          </a:xfrm>
+          <a:prstGeom prst="rect">
+            <a:avLst/>
+          </a:prstGeom>
+        </p:spPr>
+      </p:pic>
     </p:spTree>
   </p:cSld>
   <p:clrMapOvr>
@@ -4490,7 +4885,7 @@
         <p:spPr>
           <a:xfrm>
             <a:off x="793790" y="633055"/>
-            <a:ext cx="7259955" cy="708779"/>
+            <a:ext cx="9908077" cy="708779"/>
           </a:xfrm>
           <a:prstGeom prst="rect">
             <a:avLst/>
@@ -4517,9 +4912,20 @@
                 <a:ea typeface="Crimson Pro Semi Bold" pitchFamily="34" charset="-122"/>
                 <a:cs typeface="Crimson Pro Semi Bold" pitchFamily="34" charset="-120"/>
               </a:rPr>
-              <a:t>Automated Greetings Initiative</a:t>
+              <a:t>Automated Greetings Initiative </a:t>
             </a:r>
-            <a:endParaRPr lang="en-US" sz="4450" dirty="0">
+            <a:r>
+              <a:rPr lang="en-US" dirty="0">
+                <a:solidFill>
+                  <a:srgbClr val="A42295"/>
+                </a:solidFill>
+                <a:latin typeface="Adani Regular" panose="02000503000000020004" pitchFamily="2" charset="0"/>
+                <a:ea typeface="Crimson Pro Semi Bold" pitchFamily="34" charset="-122"/>
+                <a:cs typeface="Crimson Pro Semi Bold" pitchFamily="34" charset="-120"/>
+              </a:rPr>
+              <a:t>(in progress)</a:t>
+            </a:r>
+            <a:endParaRPr lang="en-US" dirty="0">
               <a:solidFill>
                 <a:srgbClr val="A42295"/>
               </a:solidFill>
@@ -4580,7 +4986,7 @@
         </p:nvSpPr>
         <p:spPr>
           <a:xfrm>
-            <a:off x="1743789" y="4269343"/>
+            <a:off x="1743789" y="4533617"/>
             <a:ext cx="2835235" cy="354330"/>
           </a:xfrm>
           <a:prstGeom prst="rect">
@@ -4600,7 +5006,7 @@
               <a:buNone/>
             </a:pPr>
             <a:r>
-              <a:rPr lang="en-US" sz="2200" dirty="0">
+              <a:rPr lang="en-US" sz="2200" b="1" dirty="0">
                 <a:solidFill>
                   <a:srgbClr val="4C4C4D"/>
                 </a:solidFill>
@@ -4610,7 +5016,7 @@
               </a:rPr>
               <a:t>Birthday Wishes</a:t>
             </a:r>
-            <a:endParaRPr lang="en-US" sz="2200" dirty="0">
+            <a:endParaRPr lang="en-US" sz="2200" b="1" dirty="0">
               <a:latin typeface="Adani Regular" panose="02000503000000020004" pitchFamily="2" charset="0"/>
             </a:endParaRPr>
           </a:p>
@@ -4624,8 +5030,8 @@
         </p:nvSpPr>
         <p:spPr>
           <a:xfrm>
-            <a:off x="793790" y="4759762"/>
-            <a:ext cx="3785235" cy="362903"/>
+            <a:off x="150323" y="4996895"/>
+            <a:ext cx="3785235" cy="735806"/>
           </a:xfrm>
           <a:prstGeom prst="rect">
             <a:avLst/>
@@ -4637,7 +5043,7 @@
           <a:bodyPr wrap="none" lIns="0" tIns="0" rIns="0" bIns="0" rtlCol="0" anchor="t"/>
           <a:lstStyle/>
           <a:p>
-            <a:pPr marL="0" indent="0" algn="r">
+            <a:pPr marL="0" indent="0">
               <a:lnSpc>
                 <a:spcPts val="2850"/>
               </a:lnSpc>
@@ -4654,9 +5060,6 @@
               </a:rPr>
               <a:t>Automated greetings with photos.</a:t>
             </a:r>
-            <a:endParaRPr lang="en-US" sz="1750" dirty="0">
-              <a:latin typeface="Adani Regular" panose="02000503000000020004" pitchFamily="2" charset="0"/>
-            </a:endParaRPr>
           </a:p>
         </p:txBody>
       </p:sp>
@@ -4736,7 +5139,7 @@
               <a:buNone/>
             </a:pPr>
             <a:r>
-              <a:rPr lang="en-US" sz="2200" dirty="0">
+              <a:rPr lang="en-US" sz="2200" b="1" dirty="0">
                 <a:solidFill>
                   <a:srgbClr val="4C4C4D"/>
                 </a:solidFill>
@@ -4746,7 +5149,7 @@
               </a:rPr>
               <a:t>Work Anniversaries Wishes</a:t>
             </a:r>
-            <a:endParaRPr lang="en-US" sz="2200" dirty="0">
+            <a:endParaRPr lang="en-US" sz="2200" b="1" dirty="0">
               <a:latin typeface="Adani Regular" panose="02000503000000020004" pitchFamily="2" charset="0"/>
             </a:endParaRPr>
           </a:p>
@@ -4872,7 +5275,7 @@
               <a:buNone/>
             </a:pPr>
             <a:r>
-              <a:rPr lang="en-US" sz="2200" dirty="0">
+              <a:rPr lang="en-US" sz="2200" b="1" dirty="0">
                 <a:solidFill>
                   <a:srgbClr val="4C4C4D"/>
                 </a:solidFill>
@@ -4882,7 +5285,7 @@
               </a:rPr>
               <a:t>Leader Engagement</a:t>
             </a:r>
-            <a:endParaRPr lang="en-US" sz="2200" dirty="0">
+            <a:endParaRPr lang="en-US" sz="2200" b="1" dirty="0">
               <a:latin typeface="Adani Regular" panose="02000503000000020004" pitchFamily="2" charset="0"/>
             </a:endParaRPr>
           </a:p>
@@ -4896,7 +5299,7 @@
         </p:nvSpPr>
         <p:spPr>
           <a:xfrm>
-            <a:off x="9937790" y="5985986"/>
+            <a:off x="9761423" y="5985986"/>
             <a:ext cx="3898821" cy="362903"/>
           </a:xfrm>
           <a:prstGeom prst="rect">
@@ -5060,6 +5463,36 @@
           </a:p>
         </p:txBody>
       </p:sp>
+      <p:pic>
+        <p:nvPicPr>
+          <p:cNvPr id="18" name="Picture 17" descr="A logo with purple letters">
+            <a:extLst>
+              <a:ext uri="{FF2B5EF4-FFF2-40B4-BE49-F238E27FC236}">
+                <a16:creationId xmlns:a16="http://schemas.microsoft.com/office/drawing/2014/main" id="{79AF5D3D-F2C5-312C-45F4-77481EE3E909}"/>
+              </a:ext>
+            </a:extLst>
+          </p:cNvPr>
+          <p:cNvPicPr>
+            <a:picLocks noChangeAspect="1"/>
+          </p:cNvPicPr>
+          <p:nvPr/>
+        </p:nvPicPr>
+        <p:blipFill>
+          <a:blip r:embed="rId9"/>
+          <a:stretch>
+            <a:fillRect/>
+          </a:stretch>
+        </p:blipFill>
+        <p:spPr>
+          <a:xfrm>
+            <a:off x="11290328" y="0"/>
+            <a:ext cx="3340072" cy="1114749"/>
+          </a:xfrm>
+          <a:prstGeom prst="rect">
+            <a:avLst/>
+          </a:prstGeom>
+        </p:spPr>
+      </p:pic>
     </p:spTree>
   </p:cSld>
   <p:clrMapOvr>
@@ -5228,7 +5661,7 @@
               <a:buNone/>
             </a:pPr>
             <a:r>
-              <a:rPr lang="en-US" sz="2200" dirty="0">
+              <a:rPr lang="en-US" sz="2200" b="1" dirty="0">
                 <a:solidFill>
                   <a:srgbClr val="4C4C4D"/>
                 </a:solidFill>
@@ -5238,7 +5671,7 @@
               </a:rPr>
               <a:t>Enhanced Efficiency</a:t>
             </a:r>
-            <a:endParaRPr lang="en-US" sz="2200" dirty="0">
+            <a:endParaRPr lang="en-US" sz="2200" b="1" dirty="0">
               <a:latin typeface="Adani Regular" panose="02000503000000020004" pitchFamily="2" charset="0"/>
             </a:endParaRPr>
           </a:p>
@@ -5340,7 +5773,7 @@
               <a:buNone/>
             </a:pPr>
             <a:r>
-              <a:rPr lang="en-US" sz="2200" dirty="0">
+              <a:rPr lang="en-US" sz="2200" b="1" dirty="0">
                 <a:solidFill>
                   <a:srgbClr val="4C4C4D"/>
                 </a:solidFill>
@@ -5350,7 +5783,7 @@
               </a:rPr>
               <a:t>Boosted Satisfaction</a:t>
             </a:r>
-            <a:endParaRPr lang="en-US" sz="2200" dirty="0">
+            <a:endParaRPr lang="en-US" sz="2200" b="1" dirty="0">
               <a:latin typeface="Adani Regular" panose="02000503000000020004" pitchFamily="2" charset="0"/>
             </a:endParaRPr>
           </a:p>
@@ -5452,7 +5885,7 @@
               <a:buNone/>
             </a:pPr>
             <a:r>
-              <a:rPr lang="en-US" sz="2200" dirty="0">
+              <a:rPr lang="en-US" sz="2200" b="1" dirty="0">
                 <a:solidFill>
                   <a:srgbClr val="4C4C4D"/>
                 </a:solidFill>
@@ -5462,7 +5895,7 @@
               </a:rPr>
               <a:t>Stronger Engagement</a:t>
             </a:r>
-            <a:endParaRPr lang="en-US" sz="2200" dirty="0">
+            <a:endParaRPr lang="en-US" sz="2200" b="1" dirty="0">
               <a:latin typeface="Adani Regular" panose="02000503000000020004" pitchFamily="2" charset="0"/>
             </a:endParaRPr>
           </a:p>
@@ -5561,6 +5994,36 @@
           </a:p>
         </p:txBody>
       </p:sp>
+      <p:pic>
+        <p:nvPicPr>
+          <p:cNvPr id="14" name="Picture 13" descr="A logo with purple letters">
+            <a:extLst>
+              <a:ext uri="{FF2B5EF4-FFF2-40B4-BE49-F238E27FC236}">
+                <a16:creationId xmlns:a16="http://schemas.microsoft.com/office/drawing/2014/main" id="{10B1EDB5-2522-EF52-718F-21E8199AFF7C}"/>
+              </a:ext>
+            </a:extLst>
+          </p:cNvPr>
+          <p:cNvPicPr>
+            <a:picLocks noChangeAspect="1"/>
+          </p:cNvPicPr>
+          <p:nvPr/>
+        </p:nvPicPr>
+        <p:blipFill>
+          <a:blip r:embed="rId6"/>
+          <a:stretch>
+            <a:fillRect/>
+          </a:stretch>
+        </p:blipFill>
+        <p:spPr>
+          <a:xfrm>
+            <a:off x="11290328" y="0"/>
+            <a:ext cx="3340072" cy="1114749"/>
+          </a:xfrm>
+          <a:prstGeom prst="rect">
+            <a:avLst/>
+          </a:prstGeom>
+        </p:spPr>
+      </p:pic>
     </p:spTree>
   </p:cSld>
   <p:clrMapOvr>
@@ -5605,7 +6068,7 @@
         </p:nvSpPr>
         <p:spPr>
           <a:xfrm>
-            <a:off x="1377697" y="1884525"/>
+            <a:off x="829057" y="899019"/>
             <a:ext cx="12070080" cy="1135945"/>
           </a:xfrm>
           <a:prstGeom prst="rect">
@@ -5644,25 +6107,7 @@
                 </a:solidFill>
                 <a:latin typeface="Adani Bold" panose="02000503000000020004" pitchFamily="2" charset="0"/>
               </a:rPr>
-              <a:t>Sending Automated </a:t>
-            </a:r>
-            <a:r>
-              <a:rPr lang="en-IN" sz="5280" dirty="0" err="1">
-                <a:solidFill>
-                  <a:srgbClr val="AB25AE"/>
-                </a:solidFill>
-                <a:latin typeface="Adani Bold" panose="02000503000000020004" pitchFamily="2" charset="0"/>
-              </a:rPr>
-              <a:t>Tambola</a:t>
-            </a:r>
-            <a:r>
-              <a:rPr lang="en-IN" sz="5280" dirty="0">
-                <a:solidFill>
-                  <a:srgbClr val="AB25AE"/>
-                </a:solidFill>
-                <a:latin typeface="Adani Bold" panose="02000503000000020004" pitchFamily="2" charset="0"/>
-              </a:rPr>
-              <a:t> Tickets </a:t>
+              <a:t>Sent Automated Tambola Tickets </a:t>
             </a:r>
             <a:endParaRPr lang="en-IN" sz="5280" dirty="0">
               <a:solidFill>
@@ -5689,8 +6134,8 @@
         </p:nvSpPr>
         <p:spPr>
           <a:xfrm>
-            <a:off x="1377697" y="3844063"/>
-            <a:ext cx="10972800" cy="1986914"/>
+            <a:off x="829057" y="2933983"/>
+            <a:ext cx="6745126" cy="2924950"/>
           </a:xfrm>
           <a:prstGeom prst="rect">
             <a:avLst/>
@@ -5865,45 +6310,53 @@
             </a:lvl9pPr>
           </a:lstStyle>
           <a:p>
+            <a:pPr marL="457200" indent="-457200" algn="l">
+              <a:buFont typeface="Arial" panose="020B0604020202020204" pitchFamily="34" charset="0"/>
+              <a:buChar char="•"/>
+            </a:pPr>
+            <a:r>
+              <a:rPr lang="en-IN" dirty="0"/>
+              <a:t>2200+ Unique Tambola Tickets Sent</a:t>
+            </a:r>
+          </a:p>
+          <a:p>
+            <a:pPr marL="457200" indent="-457200" algn="l">
+              <a:buFont typeface="Arial" panose="020B0604020202020204" pitchFamily="34" charset="0"/>
+              <a:buChar char="•"/>
+            </a:pPr>
+            <a:r>
+              <a:rPr lang="en-IN" dirty="0"/>
+              <a:t>Utilized 29 dynamic values</a:t>
+            </a:r>
+          </a:p>
+          <a:p>
+            <a:pPr marL="457200" indent="-457200" algn="l">
+              <a:buFont typeface="Arial" panose="020B0604020202020204" pitchFamily="34" charset="0"/>
+              <a:buChar char="•"/>
+            </a:pPr>
+            <a:r>
+              <a:rPr lang="en-IN" dirty="0"/>
+              <a:t>Saved time to send manually tickets one by one.</a:t>
+            </a:r>
+          </a:p>
+          <a:p>
             <a:pPr algn="l"/>
-            <a:r>
-              <a:rPr lang="en-IN" sz="2880" dirty="0"/>
-              <a:t>2200+ </a:t>
-            </a:r>
-            <a:r>
-              <a:rPr lang="en-IN" sz="2880" dirty="0" err="1"/>
-              <a:t>employess</a:t>
-            </a:r>
-            <a:r>
-              <a:rPr lang="en-IN" sz="2880" dirty="0"/>
-              <a:t> sent </a:t>
-            </a:r>
-            <a:r>
-              <a:rPr lang="en-IN" sz="2880" dirty="0" err="1"/>
-              <a:t>tambola</a:t>
-            </a:r>
-            <a:r>
-              <a:rPr lang="en-IN" sz="2880" dirty="0"/>
-              <a:t> tickets</a:t>
-            </a:r>
+            <a:endParaRPr lang="en-IN" dirty="0"/>
           </a:p>
           <a:p>
             <a:pPr algn="l"/>
-            <a:r>
-              <a:rPr lang="en-IN" sz="2880" dirty="0"/>
-              <a:t>With 29 Dynamic Values</a:t>
-            </a:r>
+            <a:endParaRPr lang="en-IN" dirty="0"/>
           </a:p>
           <a:p>
             <a:pPr algn="l"/>
-            <a:endParaRPr lang="en-IN" sz="2880" dirty="0"/>
+            <a:endParaRPr lang="en-IN" dirty="0"/>
           </a:p>
           <a:p>
             <a:pPr marL="411480" indent="-411480" algn="l">
               <a:buFont typeface="Wingdings" panose="05000000000000000000" pitchFamily="2" charset="2"/>
               <a:buChar char="§"/>
             </a:pPr>
-            <a:endParaRPr lang="en-IN" sz="2880" dirty="0">
+            <a:endParaRPr lang="en-IN" dirty="0">
               <a:solidFill>
                 <a:schemeClr val="tx1">
                   <a:lumMod val="75000"/>
@@ -6120,6 +6573,66 @@
           </a:p>
         </p:txBody>
       </p:sp>
+      <p:pic>
+        <p:nvPicPr>
+          <p:cNvPr id="2" name="Picture 1" descr="A logo with purple letters">
+            <a:extLst>
+              <a:ext uri="{FF2B5EF4-FFF2-40B4-BE49-F238E27FC236}">
+                <a16:creationId xmlns:a16="http://schemas.microsoft.com/office/drawing/2014/main" id="{2717D83A-6266-BE71-6EA1-66EEE5ADC88B}"/>
+              </a:ext>
+            </a:extLst>
+          </p:cNvPr>
+          <p:cNvPicPr>
+            <a:picLocks noChangeAspect="1"/>
+          </p:cNvPicPr>
+          <p:nvPr/>
+        </p:nvPicPr>
+        <p:blipFill>
+          <a:blip r:embed="rId2"/>
+          <a:stretch>
+            <a:fillRect/>
+          </a:stretch>
+        </p:blipFill>
+        <p:spPr>
+          <a:xfrm>
+            <a:off x="11290328" y="0"/>
+            <a:ext cx="3340072" cy="1114749"/>
+          </a:xfrm>
+          <a:prstGeom prst="rect">
+            <a:avLst/>
+          </a:prstGeom>
+        </p:spPr>
+      </p:pic>
+      <p:pic>
+        <p:nvPicPr>
+          <p:cNvPr id="9" name="Picture 8" descr="A screenshot of a ticket&#10;&#10;AI-generated content may be incorrect.">
+            <a:extLst>
+              <a:ext uri="{FF2B5EF4-FFF2-40B4-BE49-F238E27FC236}">
+                <a16:creationId xmlns:a16="http://schemas.microsoft.com/office/drawing/2014/main" id="{AE93E013-20A4-8F3B-2EE6-6178001A6C60}"/>
+              </a:ext>
+            </a:extLst>
+          </p:cNvPr>
+          <p:cNvPicPr>
+            <a:picLocks noChangeAspect="1"/>
+          </p:cNvPicPr>
+          <p:nvPr/>
+        </p:nvPicPr>
+        <p:blipFill>
+          <a:blip r:embed="rId3"/>
+          <a:stretch>
+            <a:fillRect/>
+          </a:stretch>
+        </p:blipFill>
+        <p:spPr>
+          <a:xfrm>
+            <a:off x="7781417" y="2652837"/>
+            <a:ext cx="6676415" cy="3764896"/>
+          </a:xfrm>
+          <a:prstGeom prst="rect">
+            <a:avLst/>
+          </a:prstGeom>
+        </p:spPr>
+      </p:pic>
     </p:spTree>
     <p:extLst>
       <p:ext uri="{BB962C8B-B14F-4D97-AF65-F5344CB8AC3E}">
@@ -6138,10 +6651,16 @@
 
 <file path=ppt/slides/slide8.xml><?xml version="1.0" encoding="utf-8"?>
 <p:sld xmlns:a="http://schemas.openxmlformats.org/drawingml/2006/main" xmlns:r="http://schemas.openxmlformats.org/officeDocument/2006/relationships" xmlns:p="http://schemas.openxmlformats.org/presentationml/2006/main">
-  <p:cSld name="Slide 7">
+  <p:cSld>
     <p:spTree>
       <p:nvGrpSpPr>
-        <p:cNvPr id="1" name=""/>
+        <p:cNvPr id="1" name="">
+          <a:extLst>
+            <a:ext uri="{FF2B5EF4-FFF2-40B4-BE49-F238E27FC236}">
+              <a16:creationId xmlns:a16="http://schemas.microsoft.com/office/drawing/2014/main" id="{D7DEC29F-FCBB-D78E-39B8-D3FAEC195FC5}"/>
+            </a:ext>
+          </a:extLst>
+        </p:cNvPr>
         <p:cNvGrpSpPr/>
         <p:nvPr/>
       </p:nvGrpSpPr>
@@ -6155,14 +6674,600 @@
       </p:grpSpPr>
       <p:sp>
         <p:nvSpPr>
-          <p:cNvPr id="2" name="Text 0"/>
-          <p:cNvSpPr/>
-          <p:nvPr/>
-        </p:nvSpPr>
-        <p:spPr>
-          <a:xfrm>
-            <a:off x="4479846" y="3408878"/>
-            <a:ext cx="5670590" cy="708779"/>
+          <p:cNvPr id="4" name="Title 1">
+            <a:extLst>
+              <a:ext uri="{FF2B5EF4-FFF2-40B4-BE49-F238E27FC236}">
+                <a16:creationId xmlns:a16="http://schemas.microsoft.com/office/drawing/2014/main" id="{38AC9AE3-EBBC-FD9E-618D-0D1353152095}"/>
+              </a:ext>
+            </a:extLst>
+          </p:cNvPr>
+          <p:cNvSpPr txBox="1">
+            <a:spLocks/>
+          </p:cNvSpPr>
+          <p:nvPr/>
+        </p:nvSpPr>
+        <p:spPr>
+          <a:xfrm>
+            <a:off x="829057" y="899019"/>
+            <a:ext cx="12070080" cy="1135945"/>
+          </a:xfrm>
+          <a:prstGeom prst="rect">
+            <a:avLst/>
+          </a:prstGeom>
+        </p:spPr>
+        <p:txBody>
+          <a:bodyPr vert="horz" lIns="109728" tIns="54864" rIns="109728" bIns="54864" rtlCol="0" anchor="b">
+            <a:normAutofit/>
+          </a:bodyPr>
+          <a:lstStyle>
+            <a:lvl1pPr algn="ctr" defTabSz="914400" rtl="0" eaLnBrk="1" latinLnBrk="0" hangingPunct="1">
+              <a:lnSpc>
+                <a:spcPct val="90000"/>
+              </a:lnSpc>
+              <a:spcBef>
+                <a:spcPct val="0"/>
+              </a:spcBef>
+              <a:buNone/>
+              <a:defRPr sz="6000" kern="1200">
+                <a:solidFill>
+                  <a:schemeClr val="tx1"/>
+                </a:solidFill>
+                <a:latin typeface="+mj-lt"/>
+                <a:ea typeface="+mj-ea"/>
+                <a:cs typeface="+mj-cs"/>
+              </a:defRPr>
+            </a:lvl1pPr>
+          </a:lstStyle>
+          <a:p>
+            <a:pPr algn="l"/>
+            <a:r>
+              <a:rPr lang="en-IN" sz="5280" dirty="0">
+                <a:solidFill>
+                  <a:srgbClr val="AB25AE"/>
+                </a:solidFill>
+                <a:latin typeface="Adani Bold" panose="02000503000000020004" pitchFamily="2" charset="0"/>
+              </a:rPr>
+              <a:t>Sent Automated Regularization Notice </a:t>
+            </a:r>
+            <a:endParaRPr lang="en-IN" sz="5280" dirty="0">
+              <a:solidFill>
+                <a:srgbClr val="0070C0"/>
+              </a:solidFill>
+              <a:latin typeface="Adani Bold" panose="02000503000000020004" pitchFamily="2" charset="0"/>
+            </a:endParaRPr>
+          </a:p>
+        </p:txBody>
+      </p:sp>
+      <p:sp>
+        <p:nvSpPr>
+          <p:cNvPr id="5" name="Subtitle 2">
+            <a:extLst>
+              <a:ext uri="{FF2B5EF4-FFF2-40B4-BE49-F238E27FC236}">
+                <a16:creationId xmlns:a16="http://schemas.microsoft.com/office/drawing/2014/main" id="{298E95BC-07A0-5C72-D2E4-01F728342937}"/>
+              </a:ext>
+            </a:extLst>
+          </p:cNvPr>
+          <p:cNvSpPr txBox="1">
+            <a:spLocks/>
+          </p:cNvSpPr>
+          <p:nvPr/>
+        </p:nvSpPr>
+        <p:spPr>
+          <a:xfrm>
+            <a:off x="829057" y="2933983"/>
+            <a:ext cx="6745126" cy="2924950"/>
+          </a:xfrm>
+          <a:prstGeom prst="rect">
+            <a:avLst/>
+          </a:prstGeom>
+        </p:spPr>
+        <p:txBody>
+          <a:bodyPr vert="horz" lIns="109728" tIns="54864" rIns="109728" bIns="54864" rtlCol="0">
+            <a:normAutofit/>
+          </a:bodyPr>
+          <a:lstStyle>
+            <a:lvl1pPr marL="0" indent="0" algn="ctr" defTabSz="914400" rtl="0" eaLnBrk="1" latinLnBrk="0" hangingPunct="1">
+              <a:lnSpc>
+                <a:spcPct val="90000"/>
+              </a:lnSpc>
+              <a:spcBef>
+                <a:spcPts val="1000"/>
+              </a:spcBef>
+              <a:buFont typeface="Arial" panose="020B0604020202020204" pitchFamily="34" charset="0"/>
+              <a:buNone/>
+              <a:defRPr sz="2400" kern="1200">
+                <a:solidFill>
+                  <a:schemeClr val="tx1"/>
+                </a:solidFill>
+                <a:latin typeface="+mn-lt"/>
+                <a:ea typeface="+mn-ea"/>
+                <a:cs typeface="+mn-cs"/>
+              </a:defRPr>
+            </a:lvl1pPr>
+            <a:lvl2pPr marL="457200" indent="0" algn="ctr" defTabSz="914400" rtl="0" eaLnBrk="1" latinLnBrk="0" hangingPunct="1">
+              <a:lnSpc>
+                <a:spcPct val="90000"/>
+              </a:lnSpc>
+              <a:spcBef>
+                <a:spcPts val="500"/>
+              </a:spcBef>
+              <a:buFont typeface="Arial" panose="020B0604020202020204" pitchFamily="34" charset="0"/>
+              <a:buNone/>
+              <a:defRPr sz="2000" kern="1200">
+                <a:solidFill>
+                  <a:schemeClr val="tx1"/>
+                </a:solidFill>
+                <a:latin typeface="+mn-lt"/>
+                <a:ea typeface="+mn-ea"/>
+                <a:cs typeface="+mn-cs"/>
+              </a:defRPr>
+            </a:lvl2pPr>
+            <a:lvl3pPr marL="914400" indent="0" algn="ctr" defTabSz="914400" rtl="0" eaLnBrk="1" latinLnBrk="0" hangingPunct="1">
+              <a:lnSpc>
+                <a:spcPct val="90000"/>
+              </a:lnSpc>
+              <a:spcBef>
+                <a:spcPts val="500"/>
+              </a:spcBef>
+              <a:buFont typeface="Arial" panose="020B0604020202020204" pitchFamily="34" charset="0"/>
+              <a:buNone/>
+              <a:defRPr sz="1800" kern="1200">
+                <a:solidFill>
+                  <a:schemeClr val="tx1"/>
+                </a:solidFill>
+                <a:latin typeface="+mn-lt"/>
+                <a:ea typeface="+mn-ea"/>
+                <a:cs typeface="+mn-cs"/>
+              </a:defRPr>
+            </a:lvl3pPr>
+            <a:lvl4pPr marL="1371600" indent="0" algn="ctr" defTabSz="914400" rtl="0" eaLnBrk="1" latinLnBrk="0" hangingPunct="1">
+              <a:lnSpc>
+                <a:spcPct val="90000"/>
+              </a:lnSpc>
+              <a:spcBef>
+                <a:spcPts val="500"/>
+              </a:spcBef>
+              <a:buFont typeface="Arial" panose="020B0604020202020204" pitchFamily="34" charset="0"/>
+              <a:buNone/>
+              <a:defRPr sz="1600" kern="1200">
+                <a:solidFill>
+                  <a:schemeClr val="tx1"/>
+                </a:solidFill>
+                <a:latin typeface="+mn-lt"/>
+                <a:ea typeface="+mn-ea"/>
+                <a:cs typeface="+mn-cs"/>
+              </a:defRPr>
+            </a:lvl4pPr>
+            <a:lvl5pPr marL="1828800" indent="0" algn="ctr" defTabSz="914400" rtl="0" eaLnBrk="1" latinLnBrk="0" hangingPunct="1">
+              <a:lnSpc>
+                <a:spcPct val="90000"/>
+              </a:lnSpc>
+              <a:spcBef>
+                <a:spcPts val="500"/>
+              </a:spcBef>
+              <a:buFont typeface="Arial" panose="020B0604020202020204" pitchFamily="34" charset="0"/>
+              <a:buNone/>
+              <a:defRPr sz="1600" kern="1200">
+                <a:solidFill>
+                  <a:schemeClr val="tx1"/>
+                </a:solidFill>
+                <a:latin typeface="+mn-lt"/>
+                <a:ea typeface="+mn-ea"/>
+                <a:cs typeface="+mn-cs"/>
+              </a:defRPr>
+            </a:lvl5pPr>
+            <a:lvl6pPr marL="2286000" indent="0" algn="ctr" defTabSz="914400" rtl="0" eaLnBrk="1" latinLnBrk="0" hangingPunct="1">
+              <a:lnSpc>
+                <a:spcPct val="90000"/>
+              </a:lnSpc>
+              <a:spcBef>
+                <a:spcPts val="500"/>
+              </a:spcBef>
+              <a:buFont typeface="Arial" panose="020B0604020202020204" pitchFamily="34" charset="0"/>
+              <a:buNone/>
+              <a:defRPr sz="1600" kern="1200">
+                <a:solidFill>
+                  <a:schemeClr val="tx1"/>
+                </a:solidFill>
+                <a:latin typeface="+mn-lt"/>
+                <a:ea typeface="+mn-ea"/>
+                <a:cs typeface="+mn-cs"/>
+              </a:defRPr>
+            </a:lvl6pPr>
+            <a:lvl7pPr marL="2743200" indent="0" algn="ctr" defTabSz="914400" rtl="0" eaLnBrk="1" latinLnBrk="0" hangingPunct="1">
+              <a:lnSpc>
+                <a:spcPct val="90000"/>
+              </a:lnSpc>
+              <a:spcBef>
+                <a:spcPts val="500"/>
+              </a:spcBef>
+              <a:buFont typeface="Arial" panose="020B0604020202020204" pitchFamily="34" charset="0"/>
+              <a:buNone/>
+              <a:defRPr sz="1600" kern="1200">
+                <a:solidFill>
+                  <a:schemeClr val="tx1"/>
+                </a:solidFill>
+                <a:latin typeface="+mn-lt"/>
+                <a:ea typeface="+mn-ea"/>
+                <a:cs typeface="+mn-cs"/>
+              </a:defRPr>
+            </a:lvl7pPr>
+            <a:lvl8pPr marL="3200400" indent="0" algn="ctr" defTabSz="914400" rtl="0" eaLnBrk="1" latinLnBrk="0" hangingPunct="1">
+              <a:lnSpc>
+                <a:spcPct val="90000"/>
+              </a:lnSpc>
+              <a:spcBef>
+                <a:spcPts val="500"/>
+              </a:spcBef>
+              <a:buFont typeface="Arial" panose="020B0604020202020204" pitchFamily="34" charset="0"/>
+              <a:buNone/>
+              <a:defRPr sz="1600" kern="1200">
+                <a:solidFill>
+                  <a:schemeClr val="tx1"/>
+                </a:solidFill>
+                <a:latin typeface="+mn-lt"/>
+                <a:ea typeface="+mn-ea"/>
+                <a:cs typeface="+mn-cs"/>
+              </a:defRPr>
+            </a:lvl8pPr>
+            <a:lvl9pPr marL="3657600" indent="0" algn="ctr" defTabSz="914400" rtl="0" eaLnBrk="1" latinLnBrk="0" hangingPunct="1">
+              <a:lnSpc>
+                <a:spcPct val="90000"/>
+              </a:lnSpc>
+              <a:spcBef>
+                <a:spcPts val="500"/>
+              </a:spcBef>
+              <a:buFont typeface="Arial" panose="020B0604020202020204" pitchFamily="34" charset="0"/>
+              <a:buNone/>
+              <a:defRPr sz="1600" kern="1200">
+                <a:solidFill>
+                  <a:schemeClr val="tx1"/>
+                </a:solidFill>
+                <a:latin typeface="+mn-lt"/>
+                <a:ea typeface="+mn-ea"/>
+                <a:cs typeface="+mn-cs"/>
+              </a:defRPr>
+            </a:lvl9pPr>
+          </a:lstStyle>
+          <a:p>
+            <a:pPr marL="457200" indent="-457200" algn="l">
+              <a:buFont typeface="Arial" panose="020B0604020202020204" pitchFamily="34" charset="0"/>
+              <a:buChar char="•"/>
+            </a:pPr>
+            <a:r>
+              <a:rPr lang="en-IN" dirty="0"/>
+              <a:t>270 Employees to their regularization notice</a:t>
+            </a:r>
+          </a:p>
+          <a:p>
+            <a:pPr marL="457200" indent="-457200" algn="l">
+              <a:buFont typeface="Arial" panose="020B0604020202020204" pitchFamily="34" charset="0"/>
+              <a:buChar char="•"/>
+            </a:pPr>
+            <a:r>
+              <a:rPr lang="en-IN" dirty="0"/>
+              <a:t>Saved time to send manually tickets one by one.</a:t>
+            </a:r>
+          </a:p>
+          <a:p>
+            <a:pPr algn="l"/>
+            <a:endParaRPr lang="en-IN" dirty="0"/>
+          </a:p>
+          <a:p>
+            <a:pPr algn="l"/>
+            <a:endParaRPr lang="en-IN" dirty="0"/>
+          </a:p>
+          <a:p>
+            <a:pPr algn="l"/>
+            <a:endParaRPr lang="en-IN" dirty="0"/>
+          </a:p>
+          <a:p>
+            <a:pPr marL="411480" indent="-411480" algn="l">
+              <a:buFont typeface="Wingdings" panose="05000000000000000000" pitchFamily="2" charset="2"/>
+              <a:buChar char="§"/>
+            </a:pPr>
+            <a:endParaRPr lang="en-IN" dirty="0">
+              <a:solidFill>
+                <a:schemeClr val="tx1">
+                  <a:lumMod val="75000"/>
+                  <a:lumOff val="25000"/>
+                </a:schemeClr>
+              </a:solidFill>
+              <a:latin typeface="Adani Bold" panose="02000503000000020004" pitchFamily="2" charset="0"/>
+            </a:endParaRPr>
+          </a:p>
+        </p:txBody>
+      </p:sp>
+      <p:sp>
+        <p:nvSpPr>
+          <p:cNvPr id="7" name="Subtitle 2">
+            <a:extLst>
+              <a:ext uri="{FF2B5EF4-FFF2-40B4-BE49-F238E27FC236}">
+                <a16:creationId xmlns:a16="http://schemas.microsoft.com/office/drawing/2014/main" id="{B154BB40-788F-8C7F-3A66-57747CBADC61}"/>
+              </a:ext>
+            </a:extLst>
+          </p:cNvPr>
+          <p:cNvSpPr txBox="1">
+            <a:spLocks/>
+          </p:cNvSpPr>
+          <p:nvPr/>
+        </p:nvSpPr>
+        <p:spPr>
+          <a:xfrm>
+            <a:off x="1377697" y="5464268"/>
+            <a:ext cx="10972800" cy="699808"/>
+          </a:xfrm>
+          <a:prstGeom prst="rect">
+            <a:avLst/>
+          </a:prstGeom>
+        </p:spPr>
+        <p:txBody>
+          <a:bodyPr vert="horz" lIns="109728" tIns="54864" rIns="109728" bIns="54864" rtlCol="0">
+            <a:normAutofit/>
+          </a:bodyPr>
+          <a:lstStyle>
+            <a:lvl1pPr marL="0" indent="0" algn="ctr" defTabSz="914400" rtl="0" eaLnBrk="1" latinLnBrk="0" hangingPunct="1">
+              <a:lnSpc>
+                <a:spcPct val="90000"/>
+              </a:lnSpc>
+              <a:spcBef>
+                <a:spcPts val="1000"/>
+              </a:spcBef>
+              <a:buFont typeface="Arial" panose="020B0604020202020204" pitchFamily="34" charset="0"/>
+              <a:buNone/>
+              <a:defRPr sz="2400" kern="1200">
+                <a:solidFill>
+                  <a:schemeClr val="tx1"/>
+                </a:solidFill>
+                <a:latin typeface="+mn-lt"/>
+                <a:ea typeface="+mn-ea"/>
+                <a:cs typeface="+mn-cs"/>
+              </a:defRPr>
+            </a:lvl1pPr>
+            <a:lvl2pPr marL="457200" indent="0" algn="ctr" defTabSz="914400" rtl="0" eaLnBrk="1" latinLnBrk="0" hangingPunct="1">
+              <a:lnSpc>
+                <a:spcPct val="90000"/>
+              </a:lnSpc>
+              <a:spcBef>
+                <a:spcPts val="500"/>
+              </a:spcBef>
+              <a:buFont typeface="Arial" panose="020B0604020202020204" pitchFamily="34" charset="0"/>
+              <a:buNone/>
+              <a:defRPr sz="2000" kern="1200">
+                <a:solidFill>
+                  <a:schemeClr val="tx1"/>
+                </a:solidFill>
+                <a:latin typeface="+mn-lt"/>
+                <a:ea typeface="+mn-ea"/>
+                <a:cs typeface="+mn-cs"/>
+              </a:defRPr>
+            </a:lvl2pPr>
+            <a:lvl3pPr marL="914400" indent="0" algn="ctr" defTabSz="914400" rtl="0" eaLnBrk="1" latinLnBrk="0" hangingPunct="1">
+              <a:lnSpc>
+                <a:spcPct val="90000"/>
+              </a:lnSpc>
+              <a:spcBef>
+                <a:spcPts val="500"/>
+              </a:spcBef>
+              <a:buFont typeface="Arial" panose="020B0604020202020204" pitchFamily="34" charset="0"/>
+              <a:buNone/>
+              <a:defRPr sz="1800" kern="1200">
+                <a:solidFill>
+                  <a:schemeClr val="tx1"/>
+                </a:solidFill>
+                <a:latin typeface="+mn-lt"/>
+                <a:ea typeface="+mn-ea"/>
+                <a:cs typeface="+mn-cs"/>
+              </a:defRPr>
+            </a:lvl3pPr>
+            <a:lvl4pPr marL="1371600" indent="0" algn="ctr" defTabSz="914400" rtl="0" eaLnBrk="1" latinLnBrk="0" hangingPunct="1">
+              <a:lnSpc>
+                <a:spcPct val="90000"/>
+              </a:lnSpc>
+              <a:spcBef>
+                <a:spcPts val="500"/>
+              </a:spcBef>
+              <a:buFont typeface="Arial" panose="020B0604020202020204" pitchFamily="34" charset="0"/>
+              <a:buNone/>
+              <a:defRPr sz="1600" kern="1200">
+                <a:solidFill>
+                  <a:schemeClr val="tx1"/>
+                </a:solidFill>
+                <a:latin typeface="+mn-lt"/>
+                <a:ea typeface="+mn-ea"/>
+                <a:cs typeface="+mn-cs"/>
+              </a:defRPr>
+            </a:lvl4pPr>
+            <a:lvl5pPr marL="1828800" indent="0" algn="ctr" defTabSz="914400" rtl="0" eaLnBrk="1" latinLnBrk="0" hangingPunct="1">
+              <a:lnSpc>
+                <a:spcPct val="90000"/>
+              </a:lnSpc>
+              <a:spcBef>
+                <a:spcPts val="500"/>
+              </a:spcBef>
+              <a:buFont typeface="Arial" panose="020B0604020202020204" pitchFamily="34" charset="0"/>
+              <a:buNone/>
+              <a:defRPr sz="1600" kern="1200">
+                <a:solidFill>
+                  <a:schemeClr val="tx1"/>
+                </a:solidFill>
+                <a:latin typeface="+mn-lt"/>
+                <a:ea typeface="+mn-ea"/>
+                <a:cs typeface="+mn-cs"/>
+              </a:defRPr>
+            </a:lvl5pPr>
+            <a:lvl6pPr marL="2286000" indent="0" algn="ctr" defTabSz="914400" rtl="0" eaLnBrk="1" latinLnBrk="0" hangingPunct="1">
+              <a:lnSpc>
+                <a:spcPct val="90000"/>
+              </a:lnSpc>
+              <a:spcBef>
+                <a:spcPts val="500"/>
+              </a:spcBef>
+              <a:buFont typeface="Arial" panose="020B0604020202020204" pitchFamily="34" charset="0"/>
+              <a:buNone/>
+              <a:defRPr sz="1600" kern="1200">
+                <a:solidFill>
+                  <a:schemeClr val="tx1"/>
+                </a:solidFill>
+                <a:latin typeface="+mn-lt"/>
+                <a:ea typeface="+mn-ea"/>
+                <a:cs typeface="+mn-cs"/>
+              </a:defRPr>
+            </a:lvl6pPr>
+            <a:lvl7pPr marL="2743200" indent="0" algn="ctr" defTabSz="914400" rtl="0" eaLnBrk="1" latinLnBrk="0" hangingPunct="1">
+              <a:lnSpc>
+                <a:spcPct val="90000"/>
+              </a:lnSpc>
+              <a:spcBef>
+                <a:spcPts val="500"/>
+              </a:spcBef>
+              <a:buFont typeface="Arial" panose="020B0604020202020204" pitchFamily="34" charset="0"/>
+              <a:buNone/>
+              <a:defRPr sz="1600" kern="1200">
+                <a:solidFill>
+                  <a:schemeClr val="tx1"/>
+                </a:solidFill>
+                <a:latin typeface="+mn-lt"/>
+                <a:ea typeface="+mn-ea"/>
+                <a:cs typeface="+mn-cs"/>
+              </a:defRPr>
+            </a:lvl7pPr>
+            <a:lvl8pPr marL="3200400" indent="0" algn="ctr" defTabSz="914400" rtl="0" eaLnBrk="1" latinLnBrk="0" hangingPunct="1">
+              <a:lnSpc>
+                <a:spcPct val="90000"/>
+              </a:lnSpc>
+              <a:spcBef>
+                <a:spcPts val="500"/>
+              </a:spcBef>
+              <a:buFont typeface="Arial" panose="020B0604020202020204" pitchFamily="34" charset="0"/>
+              <a:buNone/>
+              <a:defRPr sz="1600" kern="1200">
+                <a:solidFill>
+                  <a:schemeClr val="tx1"/>
+                </a:solidFill>
+                <a:latin typeface="+mn-lt"/>
+                <a:ea typeface="+mn-ea"/>
+                <a:cs typeface="+mn-cs"/>
+              </a:defRPr>
+            </a:lvl8pPr>
+            <a:lvl9pPr marL="3657600" indent="0" algn="ctr" defTabSz="914400" rtl="0" eaLnBrk="1" latinLnBrk="0" hangingPunct="1">
+              <a:lnSpc>
+                <a:spcPct val="90000"/>
+              </a:lnSpc>
+              <a:spcBef>
+                <a:spcPts val="500"/>
+              </a:spcBef>
+              <a:buFont typeface="Arial" panose="020B0604020202020204" pitchFamily="34" charset="0"/>
+              <a:buNone/>
+              <a:defRPr sz="1600" kern="1200">
+                <a:solidFill>
+                  <a:schemeClr val="tx1"/>
+                </a:solidFill>
+                <a:latin typeface="+mn-lt"/>
+                <a:ea typeface="+mn-ea"/>
+                <a:cs typeface="+mn-cs"/>
+              </a:defRPr>
+            </a:lvl9pPr>
+          </a:lstStyle>
+          <a:p>
+            <a:pPr algn="l"/>
+            <a:endParaRPr lang="en-IN" sz="2880" dirty="0">
+              <a:solidFill>
+                <a:schemeClr val="tx1">
+                  <a:lumMod val="75000"/>
+                  <a:lumOff val="25000"/>
+                </a:schemeClr>
+              </a:solidFill>
+              <a:latin typeface="+mj-lt"/>
+            </a:endParaRPr>
+          </a:p>
+        </p:txBody>
+      </p:sp>
+      <p:pic>
+        <p:nvPicPr>
+          <p:cNvPr id="2" name="Picture 1" descr="A logo with purple letters">
+            <a:extLst>
+              <a:ext uri="{FF2B5EF4-FFF2-40B4-BE49-F238E27FC236}">
+                <a16:creationId xmlns:a16="http://schemas.microsoft.com/office/drawing/2014/main" id="{50160B77-4C0A-7752-AB79-B5B372D6BEF5}"/>
+              </a:ext>
+            </a:extLst>
+          </p:cNvPr>
+          <p:cNvPicPr>
+            <a:picLocks noChangeAspect="1"/>
+          </p:cNvPicPr>
+          <p:nvPr/>
+        </p:nvPicPr>
+        <p:blipFill>
+          <a:blip r:embed="rId2"/>
+          <a:stretch>
+            <a:fillRect/>
+          </a:stretch>
+        </p:blipFill>
+        <p:spPr>
+          <a:xfrm>
+            <a:off x="11290328" y="0"/>
+            <a:ext cx="3340072" cy="1114749"/>
+          </a:xfrm>
+          <a:prstGeom prst="rect">
+            <a:avLst/>
+          </a:prstGeom>
+        </p:spPr>
+      </p:pic>
+    </p:spTree>
+    <p:extLst>
+      <p:ext uri="{BB962C8B-B14F-4D97-AF65-F5344CB8AC3E}">
+        <p14:creationId xmlns:p14="http://schemas.microsoft.com/office/powerpoint/2010/main" val="3325246323"/>
+      </p:ext>
+    </p:extLst>
+  </p:cSld>
+  <p:clrMapOvr>
+    <a:masterClrMapping/>
+  </p:clrMapOvr>
+  <p:transition spd="slow">
+    <p:cover/>
+  </p:transition>
+</p:sld>
+</file>
+
+<file path=ppt/slides/slide9.xml><?xml version="1.0" encoding="utf-8"?>
+<p:sld xmlns:a="http://schemas.openxmlformats.org/drawingml/2006/main" xmlns:r="http://schemas.openxmlformats.org/officeDocument/2006/relationships" xmlns:p="http://schemas.openxmlformats.org/presentationml/2006/main">
+  <p:cSld>
+    <p:spTree>
+      <p:nvGrpSpPr>
+        <p:cNvPr id="1" name="">
+          <a:extLst>
+            <a:ext uri="{FF2B5EF4-FFF2-40B4-BE49-F238E27FC236}">
+              <a16:creationId xmlns:a16="http://schemas.microsoft.com/office/drawing/2014/main" id="{2E447A22-5F83-6B67-D532-581298B32E9C}"/>
+            </a:ext>
+          </a:extLst>
+        </p:cNvPr>
+        <p:cNvGrpSpPr/>
+        <p:nvPr/>
+      </p:nvGrpSpPr>
+      <p:grpSpPr>
+        <a:xfrm>
+          <a:off x="0" y="0"/>
+          <a:ext cx="0" cy="0"/>
+          <a:chOff x="0" y="0"/>
+          <a:chExt cx="0" cy="0"/>
+        </a:xfrm>
+      </p:grpSpPr>
+      <p:sp>
+        <p:nvSpPr>
+          <p:cNvPr id="2" name="Text 0">
+            <a:extLst>
+              <a:ext uri="{FF2B5EF4-FFF2-40B4-BE49-F238E27FC236}">
+                <a16:creationId xmlns:a16="http://schemas.microsoft.com/office/drawing/2014/main" id="{ABDB7825-4704-0128-1CA1-680CF8906EFB}"/>
+              </a:ext>
+            </a:extLst>
+          </p:cNvPr>
+          <p:cNvSpPr/>
+          <p:nvPr/>
+        </p:nvSpPr>
+        <p:spPr>
+          <a:xfrm>
+            <a:off x="793790" y="1953101"/>
+            <a:ext cx="11601410" cy="708779"/>
           </a:xfrm>
           <a:prstGeom prst="rect">
             <a:avLst/>
@@ -6174,7 +7279,7 @@
           <a:bodyPr wrap="none" lIns="0" tIns="0" rIns="0" bIns="0" rtlCol="0" anchor="t"/>
           <a:lstStyle/>
           <a:p>
-            <a:pPr marL="0" indent="0" algn="ctr">
+            <a:pPr marL="0" indent="0" algn="l">
               <a:lnSpc>
                 <a:spcPts val="5550"/>
               </a:lnSpc>
@@ -6183,15 +7288,29 @@
             <a:r>
               <a:rPr lang="en-US" sz="4450" dirty="0">
                 <a:solidFill>
-                  <a:srgbClr val="152D47"/>
+                  <a:srgbClr val="0070C0"/>
                 </a:solidFill>
                 <a:latin typeface="Adani Regular" panose="02000503000000020004" pitchFamily="2" charset="0"/>
                 <a:ea typeface="Crimson Pro Semi Bold" pitchFamily="34" charset="-122"/>
                 <a:cs typeface="Crimson Pro Semi Bold" pitchFamily="34" charset="-120"/>
               </a:rPr>
-              <a:t>Thank You</a:t>
+              <a:t>Power App: Desk Management System </a:t>
             </a:r>
-            <a:endParaRPr lang="en-US" sz="4450" dirty="0">
+            <a:r>
+              <a:rPr lang="en-US" sz="2400" dirty="0">
+                <a:solidFill>
+                  <a:srgbClr val="0070C0"/>
+                </a:solidFill>
+                <a:latin typeface="Adani Regular" panose="02000503000000020004" pitchFamily="2" charset="0"/>
+                <a:ea typeface="Crimson Pro Semi Bold" pitchFamily="34" charset="-122"/>
+                <a:cs typeface="Crimson Pro Semi Bold" pitchFamily="34" charset="-120"/>
+              </a:rPr>
+              <a:t>(in progress)</a:t>
+            </a:r>
+            <a:endParaRPr lang="en-US" sz="2400" dirty="0">
+              <a:solidFill>
+                <a:srgbClr val="0070C0"/>
+              </a:solidFill>
               <a:latin typeface="Adani Regular" panose="02000503000000020004" pitchFamily="2" charset="0"/>
             </a:endParaRPr>
           </a:p>
@@ -6199,13 +7318,19 @@
       </p:sp>
       <p:sp>
         <p:nvSpPr>
-          <p:cNvPr id="3" name="Text 1"/>
-          <p:cNvSpPr/>
-          <p:nvPr/>
-        </p:nvSpPr>
-        <p:spPr>
-          <a:xfrm>
-            <a:off x="793790" y="4457819"/>
+          <p:cNvPr id="3" name="Text 1">
+            <a:extLst>
+              <a:ext uri="{FF2B5EF4-FFF2-40B4-BE49-F238E27FC236}">
+                <a16:creationId xmlns:a16="http://schemas.microsoft.com/office/drawing/2014/main" id="{8ACEFD2C-F19A-DCB6-211D-F06D9DA9941A}"/>
+              </a:ext>
+            </a:extLst>
+          </p:cNvPr>
+          <p:cNvSpPr/>
+          <p:nvPr/>
+        </p:nvSpPr>
+        <p:spPr>
+          <a:xfrm>
+            <a:off x="793790" y="3115508"/>
             <a:ext cx="13042821" cy="362903"/>
           </a:xfrm>
           <a:prstGeom prst="rect">
@@ -6218,7 +7343,136 @@
           <a:bodyPr wrap="none" lIns="0" tIns="0" rIns="0" bIns="0" rtlCol="0" anchor="t"/>
           <a:lstStyle/>
           <a:p>
-            <a:pPr marL="0" indent="0" algn="ctr">
+            <a:pPr marL="0" indent="0" algn="l">
+              <a:lnSpc>
+                <a:spcPts val="2850"/>
+              </a:lnSpc>
+              <a:buNone/>
+            </a:pPr>
+            <a:r>
+              <a:rPr lang="en-US" sz="1600" b="0" dirty="0">
+                <a:solidFill>
+                  <a:srgbClr val="424242"/>
+                </a:solidFill>
+                <a:effectLst/>
+                <a:latin typeface="Segoe Sans"/>
+              </a:rPr>
+              <a:t>Introducing a user-friendly Power App for hot desking and managing vacant workstation.</a:t>
+            </a:r>
+            <a:endParaRPr lang="en-US" sz="1750" dirty="0">
+              <a:latin typeface="Adani Regular" panose="02000503000000020004" pitchFamily="2" charset="0"/>
+            </a:endParaRPr>
+          </a:p>
+        </p:txBody>
+      </p:sp>
+      <p:pic>
+        <p:nvPicPr>
+          <p:cNvPr id="4" name="Image 0" descr="preencoded.png">
+            <a:extLst>
+              <a:ext uri="{FF2B5EF4-FFF2-40B4-BE49-F238E27FC236}">
+                <a16:creationId xmlns:a16="http://schemas.microsoft.com/office/drawing/2014/main" id="{1597960C-F781-4658-39BC-AEF748AFC719}"/>
+              </a:ext>
+            </a:extLst>
+          </p:cNvPr>
+          <p:cNvPicPr>
+            <a:picLocks noChangeAspect="1"/>
+          </p:cNvPicPr>
+          <p:nvPr/>
+        </p:nvPicPr>
+        <p:blipFill>
+          <a:blip r:embed="rId3"/>
+          <a:stretch>
+            <a:fillRect/>
+          </a:stretch>
+        </p:blipFill>
+        <p:spPr>
+          <a:xfrm>
+            <a:off x="793790" y="3733562"/>
+            <a:ext cx="566976" cy="566976"/>
+          </a:xfrm>
+          <a:prstGeom prst="rect">
+            <a:avLst/>
+          </a:prstGeom>
+        </p:spPr>
+      </p:pic>
+      <p:sp>
+        <p:nvSpPr>
+          <p:cNvPr id="5" name="Text 2">
+            <a:extLst>
+              <a:ext uri="{FF2B5EF4-FFF2-40B4-BE49-F238E27FC236}">
+                <a16:creationId xmlns:a16="http://schemas.microsoft.com/office/drawing/2014/main" id="{01359321-D518-8B0C-D71B-523FA2656E68}"/>
+              </a:ext>
+            </a:extLst>
+          </p:cNvPr>
+          <p:cNvSpPr/>
+          <p:nvPr/>
+        </p:nvSpPr>
+        <p:spPr>
+          <a:xfrm>
+            <a:off x="1644253" y="3868222"/>
+            <a:ext cx="2835235" cy="354330"/>
+          </a:xfrm>
+          <a:prstGeom prst="rect">
+            <a:avLst/>
+          </a:prstGeom>
+          <a:noFill/>
+          <a:ln/>
+        </p:spPr>
+        <p:txBody>
+          <a:bodyPr wrap="none" lIns="0" tIns="0" rIns="0" bIns="0" rtlCol="0" anchor="t"/>
+          <a:lstStyle/>
+          <a:p>
+            <a:pPr marL="0" indent="0" algn="l">
+              <a:lnSpc>
+                <a:spcPts val="2750"/>
+              </a:lnSpc>
+              <a:buNone/>
+            </a:pPr>
+            <a:r>
+              <a:rPr lang="en-US" sz="2200" b="1" dirty="0">
+                <a:solidFill>
+                  <a:srgbClr val="4C4C4D"/>
+                </a:solidFill>
+                <a:latin typeface="Adani Regular" panose="02000503000000020004" pitchFamily="2" charset="0"/>
+                <a:ea typeface="Crimson Pro Semi Bold" pitchFamily="34" charset="-122"/>
+                <a:cs typeface="Crimson Pro Semi Bold" pitchFamily="34" charset="-120"/>
+              </a:rPr>
+              <a:t>Effortless Access</a:t>
+            </a:r>
+            <a:endParaRPr lang="en-US" sz="2200" b="1" dirty="0">
+              <a:latin typeface="Adani Regular" panose="02000503000000020004" pitchFamily="2" charset="0"/>
+            </a:endParaRPr>
+          </a:p>
+        </p:txBody>
+      </p:sp>
+      <p:sp>
+        <p:nvSpPr>
+          <p:cNvPr id="6" name="Text 3">
+            <a:extLst>
+              <a:ext uri="{FF2B5EF4-FFF2-40B4-BE49-F238E27FC236}">
+                <a16:creationId xmlns:a16="http://schemas.microsoft.com/office/drawing/2014/main" id="{52DC748B-F2B1-3CA9-564C-90C3BFE479F5}"/>
+              </a:ext>
+            </a:extLst>
+          </p:cNvPr>
+          <p:cNvSpPr/>
+          <p:nvPr/>
+        </p:nvSpPr>
+        <p:spPr>
+          <a:xfrm>
+            <a:off x="1644253" y="4358640"/>
+            <a:ext cx="5529143" cy="362903"/>
+          </a:xfrm>
+          <a:prstGeom prst="rect">
+            <a:avLst/>
+          </a:prstGeom>
+          <a:noFill/>
+          <a:ln/>
+        </p:spPr>
+        <p:txBody>
+          <a:bodyPr wrap="none" lIns="0" tIns="0" rIns="0" bIns="0" rtlCol="0" anchor="t"/>
+          <a:lstStyle/>
+          <a:p>
+            <a:pPr marL="0" indent="0" algn="l">
               <a:lnSpc>
                 <a:spcPts val="2850"/>
               </a:lnSpc>
@@ -6233,7 +7487,7 @@
                 <a:ea typeface="Heebo" pitchFamily="34" charset="-122"/>
                 <a:cs typeface="Heebo" pitchFamily="34" charset="-120"/>
               </a:rPr>
-              <a:t>I am committed to continuous improvement in HR data analytics.</a:t>
+              <a:t>No login is required.</a:t>
             </a:r>
             <a:endParaRPr lang="en-US" sz="1750" dirty="0">
               <a:latin typeface="Adani Regular" panose="02000503000000020004" pitchFamily="2" charset="0"/>
@@ -6241,12 +7495,400 @@
           </a:p>
         </p:txBody>
       </p:sp>
-      <p:sp>
-        <p:nvSpPr>
-          <p:cNvPr id="4" name="Rectangle 3">
+      <p:pic>
+        <p:nvPicPr>
+          <p:cNvPr id="7" name="Image 1" descr="preencoded.png">
             <a:extLst>
               <a:ext uri="{FF2B5EF4-FFF2-40B4-BE49-F238E27FC236}">
-                <a16:creationId xmlns:a16="http://schemas.microsoft.com/office/drawing/2014/main" id="{51E770D8-687D-1E66-7581-DF13A489BF5A}"/>
+                <a16:creationId xmlns:a16="http://schemas.microsoft.com/office/drawing/2014/main" id="{438091D0-1415-3A33-EE27-0BE133B44297}"/>
+              </a:ext>
+            </a:extLst>
+          </p:cNvPr>
+          <p:cNvPicPr>
+            <a:picLocks noChangeAspect="1"/>
+          </p:cNvPicPr>
+          <p:nvPr/>
+        </p:nvPicPr>
+        <p:blipFill>
+          <a:blip r:embed="rId4"/>
+          <a:stretch>
+            <a:fillRect/>
+          </a:stretch>
+        </p:blipFill>
+        <p:spPr>
+          <a:xfrm>
+            <a:off x="7456884" y="3733562"/>
+            <a:ext cx="566976" cy="566976"/>
+          </a:xfrm>
+          <a:prstGeom prst="rect">
+            <a:avLst/>
+          </a:prstGeom>
+        </p:spPr>
+      </p:pic>
+      <p:sp>
+        <p:nvSpPr>
+          <p:cNvPr id="8" name="Text 4">
+            <a:extLst>
+              <a:ext uri="{FF2B5EF4-FFF2-40B4-BE49-F238E27FC236}">
+                <a16:creationId xmlns:a16="http://schemas.microsoft.com/office/drawing/2014/main" id="{174DD0AC-6A0E-D7AF-B4BF-E7DF8E9FFA4E}"/>
+              </a:ext>
+            </a:extLst>
+          </p:cNvPr>
+          <p:cNvSpPr/>
+          <p:nvPr/>
+        </p:nvSpPr>
+        <p:spPr>
+          <a:xfrm>
+            <a:off x="8307348" y="3868222"/>
+            <a:ext cx="2835235" cy="354330"/>
+          </a:xfrm>
+          <a:prstGeom prst="rect">
+            <a:avLst/>
+          </a:prstGeom>
+          <a:noFill/>
+          <a:ln/>
+        </p:spPr>
+        <p:txBody>
+          <a:bodyPr wrap="none" lIns="0" tIns="0" rIns="0" bIns="0" rtlCol="0" anchor="t"/>
+          <a:lstStyle/>
+          <a:p>
+            <a:pPr marL="0" indent="0" algn="l">
+              <a:lnSpc>
+                <a:spcPts val="2750"/>
+              </a:lnSpc>
+              <a:buNone/>
+            </a:pPr>
+            <a:r>
+              <a:rPr lang="en-US" sz="2200" b="1" dirty="0">
+                <a:solidFill>
+                  <a:srgbClr val="4C4C4D"/>
+                </a:solidFill>
+                <a:latin typeface="Adani Regular" panose="02000503000000020004" pitchFamily="2" charset="0"/>
+                <a:ea typeface="Crimson Pro Semi Bold" pitchFamily="34" charset="-122"/>
+              </a:rPr>
+              <a:t>Universal Desk Searching</a:t>
+            </a:r>
+            <a:endParaRPr lang="en-US" sz="2200" b="1" dirty="0">
+              <a:latin typeface="Adani Regular" panose="02000503000000020004" pitchFamily="2" charset="0"/>
+            </a:endParaRPr>
+          </a:p>
+        </p:txBody>
+      </p:sp>
+      <p:sp>
+        <p:nvSpPr>
+          <p:cNvPr id="9" name="Text 5">
+            <a:extLst>
+              <a:ext uri="{FF2B5EF4-FFF2-40B4-BE49-F238E27FC236}">
+                <a16:creationId xmlns:a16="http://schemas.microsoft.com/office/drawing/2014/main" id="{95A3C4F5-4F85-F145-27D1-2C4EFAE5F8B1}"/>
+              </a:ext>
+            </a:extLst>
+          </p:cNvPr>
+          <p:cNvSpPr/>
+          <p:nvPr/>
+        </p:nvSpPr>
+        <p:spPr>
+          <a:xfrm>
+            <a:off x="8307348" y="4358640"/>
+            <a:ext cx="5529263" cy="362903"/>
+          </a:xfrm>
+          <a:prstGeom prst="rect">
+            <a:avLst/>
+          </a:prstGeom>
+          <a:noFill/>
+          <a:ln/>
+        </p:spPr>
+        <p:txBody>
+          <a:bodyPr wrap="none" lIns="0" tIns="0" rIns="0" bIns="0" rtlCol="0" anchor="t"/>
+          <a:lstStyle/>
+          <a:p>
+            <a:pPr marL="0" indent="0" algn="l">
+              <a:lnSpc>
+                <a:spcPts val="2850"/>
+              </a:lnSpc>
+              <a:buNone/>
+            </a:pPr>
+            <a:r>
+              <a:rPr lang="en-US" sz="1750" dirty="0">
+                <a:solidFill>
+                  <a:srgbClr val="4C4C4D"/>
+                </a:solidFill>
+                <a:latin typeface="Adani Regular" panose="02000503000000020004" pitchFamily="2" charset="0"/>
+                <a:ea typeface="Heebo" pitchFamily="34" charset="-122"/>
+                <a:cs typeface="Heebo" pitchFamily="34" charset="-120"/>
+              </a:rPr>
+              <a:t>Simply User can search any desk details.</a:t>
+            </a:r>
+            <a:endParaRPr lang="en-US" sz="1750" dirty="0">
+              <a:latin typeface="Adani Regular" panose="02000503000000020004" pitchFamily="2" charset="0"/>
+            </a:endParaRPr>
+          </a:p>
+        </p:txBody>
+      </p:sp>
+      <p:pic>
+        <p:nvPicPr>
+          <p:cNvPr id="10" name="Image 2" descr="preencoded.png">
+            <a:extLst>
+              <a:ext uri="{FF2B5EF4-FFF2-40B4-BE49-F238E27FC236}">
+                <a16:creationId xmlns:a16="http://schemas.microsoft.com/office/drawing/2014/main" id="{8BBB0CBB-EC68-45F5-B8AA-647B23A7F74F}"/>
+              </a:ext>
+            </a:extLst>
+          </p:cNvPr>
+          <p:cNvPicPr>
+            <a:picLocks noChangeAspect="1"/>
+          </p:cNvPicPr>
+          <p:nvPr/>
+        </p:nvPicPr>
+        <p:blipFill>
+          <a:blip r:embed="rId5"/>
+          <a:stretch>
+            <a:fillRect/>
+          </a:stretch>
+        </p:blipFill>
+        <p:spPr>
+          <a:xfrm>
+            <a:off x="793790" y="5288518"/>
+            <a:ext cx="566976" cy="566976"/>
+          </a:xfrm>
+          <a:prstGeom prst="rect">
+            <a:avLst/>
+          </a:prstGeom>
+        </p:spPr>
+      </p:pic>
+      <p:sp>
+        <p:nvSpPr>
+          <p:cNvPr id="11" name="Text 6">
+            <a:extLst>
+              <a:ext uri="{FF2B5EF4-FFF2-40B4-BE49-F238E27FC236}">
+                <a16:creationId xmlns:a16="http://schemas.microsoft.com/office/drawing/2014/main" id="{E4684947-5A5D-525E-021B-996232FD1545}"/>
+              </a:ext>
+            </a:extLst>
+          </p:cNvPr>
+          <p:cNvSpPr/>
+          <p:nvPr/>
+        </p:nvSpPr>
+        <p:spPr>
+          <a:xfrm>
+            <a:off x="1644253" y="5423178"/>
+            <a:ext cx="2835235" cy="354330"/>
+          </a:xfrm>
+          <a:prstGeom prst="rect">
+            <a:avLst/>
+          </a:prstGeom>
+          <a:noFill/>
+          <a:ln/>
+        </p:spPr>
+        <p:txBody>
+          <a:bodyPr wrap="none" lIns="0" tIns="0" rIns="0" bIns="0" rtlCol="0" anchor="t"/>
+          <a:lstStyle/>
+          <a:p>
+            <a:pPr marL="0" indent="0" algn="l">
+              <a:lnSpc>
+                <a:spcPts val="2750"/>
+              </a:lnSpc>
+              <a:buNone/>
+            </a:pPr>
+            <a:r>
+              <a:rPr lang="en-US" sz="2200" b="1" dirty="0">
+                <a:solidFill>
+                  <a:srgbClr val="4C4C4D"/>
+                </a:solidFill>
+                <a:latin typeface="Adani Regular" panose="02000503000000020004" pitchFamily="2" charset="0"/>
+                <a:ea typeface="Crimson Pro Semi Bold" pitchFamily="34" charset="-122"/>
+                <a:cs typeface="Crimson Pro Semi Bold" pitchFamily="34" charset="-120"/>
+              </a:rPr>
+              <a:t>Instant Desk Booking</a:t>
+            </a:r>
+            <a:endParaRPr lang="en-US" sz="2200" b="1" dirty="0">
+              <a:latin typeface="Adani Regular" panose="02000503000000020004" pitchFamily="2" charset="0"/>
+            </a:endParaRPr>
+          </a:p>
+        </p:txBody>
+      </p:sp>
+      <p:sp>
+        <p:nvSpPr>
+          <p:cNvPr id="12" name="Text 7">
+            <a:extLst>
+              <a:ext uri="{FF2B5EF4-FFF2-40B4-BE49-F238E27FC236}">
+                <a16:creationId xmlns:a16="http://schemas.microsoft.com/office/drawing/2014/main" id="{19120E57-3B58-0526-63C8-A6308D1605D7}"/>
+              </a:ext>
+            </a:extLst>
+          </p:cNvPr>
+          <p:cNvSpPr/>
+          <p:nvPr/>
+        </p:nvSpPr>
+        <p:spPr>
+          <a:xfrm>
+            <a:off x="1644253" y="5913596"/>
+            <a:ext cx="5529143" cy="362903"/>
+          </a:xfrm>
+          <a:prstGeom prst="rect">
+            <a:avLst/>
+          </a:prstGeom>
+          <a:noFill/>
+          <a:ln/>
+        </p:spPr>
+        <p:txBody>
+          <a:bodyPr wrap="none" lIns="0" tIns="0" rIns="0" bIns="0" rtlCol="0" anchor="t"/>
+          <a:lstStyle/>
+          <a:p>
+            <a:pPr marL="0" indent="0" algn="l">
+              <a:lnSpc>
+                <a:spcPts val="2850"/>
+              </a:lnSpc>
+              <a:buNone/>
+            </a:pPr>
+            <a:r>
+              <a:rPr lang="en-US" sz="1750" dirty="0">
+                <a:solidFill>
+                  <a:srgbClr val="4C4C4D"/>
+                </a:solidFill>
+                <a:latin typeface="Adani Regular" panose="02000503000000020004" pitchFamily="2" charset="0"/>
+                <a:ea typeface="Heebo" pitchFamily="34" charset="-122"/>
+                <a:cs typeface="Heebo" pitchFamily="34" charset="-120"/>
+              </a:rPr>
+              <a:t>Open assigned dashboards quickly.</a:t>
+            </a:r>
+            <a:endParaRPr lang="en-US" sz="1750" dirty="0">
+              <a:latin typeface="Adani Regular" panose="02000503000000020004" pitchFamily="2" charset="0"/>
+            </a:endParaRPr>
+          </a:p>
+        </p:txBody>
+      </p:sp>
+      <p:pic>
+        <p:nvPicPr>
+          <p:cNvPr id="13" name="Image 3" descr="preencoded.png">
+            <a:extLst>
+              <a:ext uri="{FF2B5EF4-FFF2-40B4-BE49-F238E27FC236}">
+                <a16:creationId xmlns:a16="http://schemas.microsoft.com/office/drawing/2014/main" id="{5B632417-BF62-DD31-E902-8AD8EECD7051}"/>
+              </a:ext>
+            </a:extLst>
+          </p:cNvPr>
+          <p:cNvPicPr>
+            <a:picLocks noChangeAspect="1"/>
+          </p:cNvPicPr>
+          <p:nvPr/>
+        </p:nvPicPr>
+        <p:blipFill>
+          <a:blip r:embed="rId6"/>
+          <a:stretch>
+            <a:fillRect/>
+          </a:stretch>
+        </p:blipFill>
+        <p:spPr>
+          <a:xfrm>
+            <a:off x="7456884" y="5288518"/>
+            <a:ext cx="566976" cy="566976"/>
+          </a:xfrm>
+          <a:prstGeom prst="rect">
+            <a:avLst/>
+          </a:prstGeom>
+        </p:spPr>
+      </p:pic>
+      <p:sp>
+        <p:nvSpPr>
+          <p:cNvPr id="14" name="Text 8">
+            <a:extLst>
+              <a:ext uri="{FF2B5EF4-FFF2-40B4-BE49-F238E27FC236}">
+                <a16:creationId xmlns:a16="http://schemas.microsoft.com/office/drawing/2014/main" id="{4C61C88B-4659-A2A6-B26B-15C48CE9EC13}"/>
+              </a:ext>
+            </a:extLst>
+          </p:cNvPr>
+          <p:cNvSpPr/>
+          <p:nvPr/>
+        </p:nvSpPr>
+        <p:spPr>
+          <a:xfrm>
+            <a:off x="8307348" y="5423178"/>
+            <a:ext cx="2835235" cy="354330"/>
+          </a:xfrm>
+          <a:prstGeom prst="rect">
+            <a:avLst/>
+          </a:prstGeom>
+          <a:noFill/>
+          <a:ln/>
+        </p:spPr>
+        <p:txBody>
+          <a:bodyPr wrap="none" lIns="0" tIns="0" rIns="0" bIns="0" rtlCol="0" anchor="t"/>
+          <a:lstStyle/>
+          <a:p>
+            <a:pPr marL="0" indent="0" algn="l">
+              <a:lnSpc>
+                <a:spcPts val="2750"/>
+              </a:lnSpc>
+              <a:buNone/>
+            </a:pPr>
+            <a:r>
+              <a:rPr lang="en-US" sz="2200" b="1" dirty="0">
+                <a:solidFill>
+                  <a:srgbClr val="4C4C4D"/>
+                </a:solidFill>
+                <a:latin typeface="Adani Regular" panose="02000503000000020004" pitchFamily="2" charset="0"/>
+                <a:ea typeface="Crimson Pro Semi Bold" pitchFamily="34" charset="-122"/>
+              </a:rPr>
+              <a:t>Admin Panel</a:t>
+            </a:r>
+            <a:endParaRPr lang="en-US" sz="2200" b="1" dirty="0">
+              <a:latin typeface="Adani Regular" panose="02000503000000020004" pitchFamily="2" charset="0"/>
+            </a:endParaRPr>
+          </a:p>
+        </p:txBody>
+      </p:sp>
+      <p:sp>
+        <p:nvSpPr>
+          <p:cNvPr id="15" name="Text 9">
+            <a:extLst>
+              <a:ext uri="{FF2B5EF4-FFF2-40B4-BE49-F238E27FC236}">
+                <a16:creationId xmlns:a16="http://schemas.microsoft.com/office/drawing/2014/main" id="{F2A45D45-1EE5-43C1-1C62-55C0E0F873BC}"/>
+              </a:ext>
+            </a:extLst>
+          </p:cNvPr>
+          <p:cNvSpPr/>
+          <p:nvPr/>
+        </p:nvSpPr>
+        <p:spPr>
+          <a:xfrm>
+            <a:off x="8307348" y="5913596"/>
+            <a:ext cx="5529263" cy="362903"/>
+          </a:xfrm>
+          <a:prstGeom prst="rect">
+            <a:avLst/>
+          </a:prstGeom>
+          <a:noFill/>
+          <a:ln/>
+        </p:spPr>
+        <p:txBody>
+          <a:bodyPr wrap="none" lIns="0" tIns="0" rIns="0" bIns="0" rtlCol="0" anchor="t"/>
+          <a:lstStyle/>
+          <a:p>
+            <a:pPr marL="0" indent="0" algn="l">
+              <a:lnSpc>
+                <a:spcPts val="2850"/>
+              </a:lnSpc>
+              <a:buNone/>
+            </a:pPr>
+            <a:r>
+              <a:rPr lang="en-US" sz="1750" dirty="0">
+                <a:solidFill>
+                  <a:srgbClr val="4C4C4D"/>
+                </a:solidFill>
+                <a:latin typeface="Adani Regular" panose="02000503000000020004" pitchFamily="2" charset="0"/>
+                <a:ea typeface="Heebo" pitchFamily="34" charset="-122"/>
+                <a:cs typeface="Heebo" pitchFamily="34" charset="-120"/>
+              </a:rPr>
+              <a:t>Track user activity &amp; manage vacant desk.</a:t>
+            </a:r>
+            <a:endParaRPr lang="en-US" sz="1750" dirty="0">
+              <a:latin typeface="Adani Regular" panose="02000503000000020004" pitchFamily="2" charset="0"/>
+            </a:endParaRPr>
+          </a:p>
+        </p:txBody>
+      </p:sp>
+      <p:sp>
+        <p:nvSpPr>
+          <p:cNvPr id="16" name="Rectangle 15">
+            <a:extLst>
+              <a:ext uri="{FF2B5EF4-FFF2-40B4-BE49-F238E27FC236}">
+                <a16:creationId xmlns:a16="http://schemas.microsoft.com/office/drawing/2014/main" id="{C4C5A8D8-BDF9-7703-EFBB-E768F83AA90F}"/>
               </a:ext>
             </a:extLst>
           </p:cNvPr>
@@ -6290,7 +7932,42 @@
           </a:p>
         </p:txBody>
       </p:sp>
+      <p:pic>
+        <p:nvPicPr>
+          <p:cNvPr id="17" name="Picture 16" descr="A logo with purple letters">
+            <a:extLst>
+              <a:ext uri="{FF2B5EF4-FFF2-40B4-BE49-F238E27FC236}">
+                <a16:creationId xmlns:a16="http://schemas.microsoft.com/office/drawing/2014/main" id="{2B6CA5EC-32D4-9C78-ABB2-DF5282031B88}"/>
+              </a:ext>
+            </a:extLst>
+          </p:cNvPr>
+          <p:cNvPicPr>
+            <a:picLocks noChangeAspect="1"/>
+          </p:cNvPicPr>
+          <p:nvPr/>
+        </p:nvPicPr>
+        <p:blipFill>
+          <a:blip r:embed="rId7"/>
+          <a:stretch>
+            <a:fillRect/>
+          </a:stretch>
+        </p:blipFill>
+        <p:spPr>
+          <a:xfrm>
+            <a:off x="11290328" y="0"/>
+            <a:ext cx="3340072" cy="1114749"/>
+          </a:xfrm>
+          <a:prstGeom prst="rect">
+            <a:avLst/>
+          </a:prstGeom>
+        </p:spPr>
+      </p:pic>
     </p:spTree>
+    <p:extLst>
+      <p:ext uri="{BB962C8B-B14F-4D97-AF65-F5344CB8AC3E}">
+        <p14:creationId xmlns:p14="http://schemas.microsoft.com/office/powerpoint/2010/main" val="2201319335"/>
+      </p:ext>
+    </p:extLst>
   </p:cSld>
   <p:clrMapOvr>
     <a:masterClrMapping/>
